--- a/기획서/2차 기획 발표/WD3A_05_2차 기획 발표 프레젠테이션(2017.04.03).pptx
+++ b/기획서/2차 기획 발표/WD3A_05_2차 기획 발표 프레젠테이션(2017.04.03).pptx
@@ -5,7 +5,7 @@
     <p:sldMasterId id="2147483648" r:id="rId1"/>
   </p:sldMasterIdLst>
   <p:notesMasterIdLst>
-    <p:notesMasterId r:id="rId20"/>
+    <p:notesMasterId r:id="rId21"/>
   </p:notesMasterIdLst>
   <p:sldIdLst>
     <p:sldId id="257" r:id="rId2"/>
@@ -16,16 +16,17 @@
     <p:sldId id="264" r:id="rId7"/>
     <p:sldId id="267" r:id="rId8"/>
     <p:sldId id="278" r:id="rId9"/>
-    <p:sldId id="265" r:id="rId10"/>
-    <p:sldId id="279" r:id="rId11"/>
+    <p:sldId id="279" r:id="rId10"/>
+    <p:sldId id="265" r:id="rId11"/>
     <p:sldId id="281" r:id="rId12"/>
-    <p:sldId id="280" r:id="rId13"/>
-    <p:sldId id="282" r:id="rId14"/>
-    <p:sldId id="273" r:id="rId15"/>
-    <p:sldId id="283" r:id="rId16"/>
-    <p:sldId id="275" r:id="rId17"/>
-    <p:sldId id="284" r:id="rId18"/>
-    <p:sldId id="277" r:id="rId19"/>
+    <p:sldId id="285" r:id="rId13"/>
+    <p:sldId id="280" r:id="rId14"/>
+    <p:sldId id="282" r:id="rId15"/>
+    <p:sldId id="273" r:id="rId16"/>
+    <p:sldId id="283" r:id="rId17"/>
+    <p:sldId id="275" r:id="rId18"/>
+    <p:sldId id="284" r:id="rId19"/>
+    <p:sldId id="277" r:id="rId20"/>
   </p:sldIdLst>
   <p:sldSz cx="12192000" cy="6858000"/>
   <p:notesSz cx="6858000" cy="9144000"/>
@@ -298,11 +299,11 @@
           <c:showBubbleSize val="0"/>
         </c:dLbls>
         <c:gapWidth val="182"/>
-        <c:axId val="191913896"/>
-        <c:axId val="191914288"/>
+        <c:axId val="187336912"/>
+        <c:axId val="187337304"/>
       </c:barChart>
       <c:catAx>
-        <c:axId val="191913896"/>
+        <c:axId val="187336912"/>
         <c:scaling>
           <c:orientation val="minMax"/>
         </c:scaling>
@@ -345,7 +346,7 @@
             <a:endParaRPr lang="ko-KR"/>
           </a:p>
         </c:txPr>
-        <c:crossAx val="191914288"/>
+        <c:crossAx val="187337304"/>
         <c:crosses val="autoZero"/>
         <c:auto val="1"/>
         <c:lblAlgn val="ctr"/>
@@ -353,7 +354,7 @@
         <c:noMultiLvlLbl val="0"/>
       </c:catAx>
       <c:valAx>
-        <c:axId val="191914288"/>
+        <c:axId val="187337304"/>
         <c:scaling>
           <c:orientation val="minMax"/>
         </c:scaling>
@@ -404,7 +405,7 @@
             <a:endParaRPr lang="ko-KR"/>
           </a:p>
         </c:txPr>
-        <c:crossAx val="191913896"/>
+        <c:crossAx val="187336912"/>
         <c:crosses val="autoZero"/>
         <c:crossBetween val="between"/>
       </c:valAx>
@@ -418,6 +419,7 @@
     </c:plotArea>
     <c:legend>
       <c:legendPos val="b"/>
+      <c:layout/>
       <c:overlay val="0"/>
       <c:spPr>
         <a:noFill/>
@@ -710,11 +712,11 @@
         </c:dLbls>
         <c:gapWidth val="219"/>
         <c:overlap val="-27"/>
-        <c:axId val="191915072"/>
-        <c:axId val="193230504"/>
+        <c:axId val="186649520"/>
+        <c:axId val="186649912"/>
       </c:barChart>
       <c:catAx>
-        <c:axId val="191915072"/>
+        <c:axId val="186649520"/>
         <c:scaling>
           <c:orientation val="minMax"/>
         </c:scaling>
@@ -757,7 +759,7 @@
             <a:endParaRPr lang="ko-KR"/>
           </a:p>
         </c:txPr>
-        <c:crossAx val="193230504"/>
+        <c:crossAx val="186649912"/>
         <c:crosses val="autoZero"/>
         <c:auto val="1"/>
         <c:lblAlgn val="ctr"/>
@@ -765,7 +767,7 @@
         <c:noMultiLvlLbl val="0"/>
       </c:catAx>
       <c:valAx>
-        <c:axId val="193230504"/>
+        <c:axId val="186649912"/>
         <c:scaling>
           <c:orientation val="minMax"/>
         </c:scaling>
@@ -816,7 +818,7 @@
             <a:endParaRPr lang="ko-KR"/>
           </a:p>
         </c:txPr>
-        <c:crossAx val="191915072"/>
+        <c:crossAx val="186649520"/>
         <c:crosses val="autoZero"/>
         <c:crossBetween val="between"/>
       </c:valAx>
@@ -830,6 +832,7 @@
     </c:plotArea>
     <c:legend>
       <c:legendPos val="b"/>
+      <c:layout/>
       <c:overlay val="0"/>
       <c:spPr>
         <a:noFill/>
@@ -1098,7 +1101,9 @@
               </c:spPr>
             </c:leaderLines>
             <c:extLst>
-              <c:ext xmlns:c15="http://schemas.microsoft.com/office/drawing/2012/chart" uri="{CE6537A1-D6FC-4f65-9D91-7224C49458BB}"/>
+              <c:ext xmlns:c15="http://schemas.microsoft.com/office/drawing/2012/chart" uri="{CE6537A1-D6FC-4f65-9D91-7224C49458BB}">
+                <c15:layout/>
+              </c:ext>
             </c:extLst>
           </c:dLbls>
           <c:cat>
@@ -1389,11 +1394,11 @@
         </c:dLbls>
         <c:gapWidth val="150"/>
         <c:overlap val="100"/>
-        <c:axId val="193232072"/>
-        <c:axId val="193232464"/>
+        <c:axId val="186651088"/>
+        <c:axId val="186651480"/>
       </c:barChart>
       <c:catAx>
-        <c:axId val="193232072"/>
+        <c:axId val="186651088"/>
         <c:scaling>
           <c:orientation val="minMax"/>
         </c:scaling>
@@ -1436,7 +1441,7 @@
             <a:endParaRPr lang="ko-KR"/>
           </a:p>
         </c:txPr>
-        <c:crossAx val="193232464"/>
+        <c:crossAx val="186651480"/>
         <c:crosses val="autoZero"/>
         <c:auto val="1"/>
         <c:lblAlgn val="ctr"/>
@@ -1444,7 +1449,7 @@
         <c:noMultiLvlLbl val="0"/>
       </c:catAx>
       <c:valAx>
-        <c:axId val="193232464"/>
+        <c:axId val="186651480"/>
         <c:scaling>
           <c:orientation val="minMax"/>
         </c:scaling>
@@ -1495,7 +1500,7 @@
             <a:endParaRPr lang="ko-KR"/>
           </a:p>
         </c:txPr>
-        <c:crossAx val="193232072"/>
+        <c:crossAx val="186651088"/>
         <c:crosses val="autoZero"/>
         <c:crossBetween val="between"/>
       </c:valAx>
@@ -1509,6 +1514,7 @@
     </c:plotArea>
     <c:legend>
       <c:legendPos val="b"/>
+      <c:layout/>
       <c:overlay val="0"/>
       <c:spPr>
         <a:noFill/>
@@ -2486,6 +2492,91 @@
 </p:notesMaster>
 </file>
 
+<file path=ppt/notesSlides/notesSlide1.xml><?xml version="1.0" encoding="utf-8"?>
+<p:notes xmlns:a="http://schemas.openxmlformats.org/drawingml/2006/main" xmlns:r="http://schemas.openxmlformats.org/officeDocument/2006/relationships" xmlns:p="http://schemas.openxmlformats.org/presentationml/2006/main">
+  <p:cSld>
+    <p:spTree>
+      <p:nvGrpSpPr>
+        <p:cNvPr id="1" name=""/>
+        <p:cNvGrpSpPr/>
+        <p:nvPr/>
+      </p:nvGrpSpPr>
+      <p:grpSpPr>
+        <a:xfrm>
+          <a:off x="0" y="0"/>
+          <a:ext cx="0" cy="0"/>
+          <a:chOff x="0" y="0"/>
+          <a:chExt cx="0" cy="0"/>
+        </a:xfrm>
+      </p:grpSpPr>
+      <p:sp>
+        <p:nvSpPr>
+          <p:cNvPr id="2" name="슬라이드 이미지 개체 틀 1"/>
+          <p:cNvSpPr>
+            <a:spLocks noGrp="1" noRot="1" noChangeAspect="1"/>
+          </p:cNvSpPr>
+          <p:nvPr>
+            <p:ph type="sldImg"/>
+          </p:nvPr>
+        </p:nvSpPr>
+        <p:spPr/>
+      </p:sp>
+      <p:sp>
+        <p:nvSpPr>
+          <p:cNvPr id="3" name="슬라이드 노트 개체 틀 2"/>
+          <p:cNvSpPr>
+            <a:spLocks noGrp="1"/>
+          </p:cNvSpPr>
+          <p:nvPr>
+            <p:ph type="body" idx="1"/>
+          </p:nvPr>
+        </p:nvSpPr>
+        <p:spPr/>
+        <p:txBody>
+          <a:bodyPr/>
+          <a:lstStyle/>
+          <a:p>
+            <a:endParaRPr lang="ko-KR" altLang="en-US" dirty="0"/>
+          </a:p>
+        </p:txBody>
+      </p:sp>
+      <p:sp>
+        <p:nvSpPr>
+          <p:cNvPr id="4" name="슬라이드 번호 개체 틀 3"/>
+          <p:cNvSpPr>
+            <a:spLocks noGrp="1"/>
+          </p:cNvSpPr>
+          <p:nvPr>
+            <p:ph type="sldNum" sz="quarter" idx="10"/>
+          </p:nvPr>
+        </p:nvSpPr>
+        <p:spPr/>
+        <p:txBody>
+          <a:bodyPr/>
+          <a:lstStyle/>
+          <a:p>
+            <a:fld id="{021F4D0C-9A35-41B6-AB4A-2D98613320AA}" type="slidenum">
+              <a:rPr lang="ko-KR" altLang="en-US" smtClean="0"/>
+              <a:pPr/>
+              <a:t>12</a:t>
+            </a:fld>
+            <a:endParaRPr lang="ko-KR" altLang="en-US"/>
+          </a:p>
+        </p:txBody>
+      </p:sp>
+    </p:spTree>
+    <p:extLst>
+      <p:ext uri="{BB962C8B-B14F-4D97-AF65-F5344CB8AC3E}">
+        <p14:creationId xmlns:p14="http://schemas.microsoft.com/office/powerpoint/2010/main" val="807352848"/>
+      </p:ext>
+    </p:extLst>
+  </p:cSld>
+  <p:clrMapOvr>
+    <a:masterClrMapping/>
+  </p:clrMapOvr>
+</p:notes>
+</file>
+
 <file path=ppt/slideLayouts/slideLayout1.xml><?xml version="1.0" encoding="utf-8"?>
 <p:sldLayout xmlns:a="http://schemas.openxmlformats.org/drawingml/2006/main" xmlns:r="http://schemas.openxmlformats.org/officeDocument/2006/relationships" xmlns:p="http://schemas.openxmlformats.org/presentationml/2006/main" type="title" preserve="1">
   <p:cSld name="제목 슬라이드">
@@ -6161,7 +6252,7 @@
                 </a:solidFill>
                 <a:latin typeface="맑은 고딕" panose="020B0503020000020004" pitchFamily="50" charset="-127"/>
               </a:rPr>
-              <a:t>도면 제작 기능</a:t>
+              <a:t>도면 검색 기능</a:t>
             </a:r>
             <a:endParaRPr lang="en-US" altLang="ko-KR" sz="1600" dirty="0" smtClean="0">
               <a:solidFill>
@@ -6172,53 +6263,181 @@
           </a:p>
         </p:txBody>
       </p:sp>
-      <p:pic>
-        <p:nvPicPr>
-          <p:cNvPr id="22" name="_x233032144"/>
-          <p:cNvPicPr>
-            <a:picLocks noChangeAspect="1" noChangeArrowheads="1"/>
-          </p:cNvPicPr>
+      <p:grpSp>
+        <p:nvGrpSpPr>
+          <p:cNvPr id="13" name="그룹 12"/>
+          <p:cNvGrpSpPr/>
           <p:nvPr/>
-        </p:nvPicPr>
-        <p:blipFill>
-          <a:blip r:embed="rId2" cstate="print">
-            <a:extLst>
-              <a:ext uri="{28A0092B-C50C-407E-A947-70E740481C1C}">
-                <a14:useLocalDpi xmlns:a14="http://schemas.microsoft.com/office/drawing/2010/main" val="0"/>
-              </a:ext>
-            </a:extLst>
-          </a:blip>
-          <a:stretch>
-            <a:fillRect/>
-          </a:stretch>
-        </p:blipFill>
-        <p:spPr bwMode="auto">
+        </p:nvGrpSpPr>
+        <p:grpSpPr>
           <a:xfrm>
-            <a:off x="672217" y="1478356"/>
-            <a:ext cx="10874797" cy="5003262"/>
+            <a:off x="880721" y="1554628"/>
+            <a:ext cx="10468398" cy="5133044"/>
+            <a:chOff x="1438713" y="1151215"/>
+            <a:chExt cx="9525748" cy="5751610"/>
           </a:xfrm>
-          <a:prstGeom prst="roundRect">
-            <a:avLst>
-              <a:gd name="adj" fmla="val 8594"/>
-            </a:avLst>
-          </a:prstGeom>
-          <a:solidFill>
-            <a:srgbClr val="FFFFFF">
-              <a:shade val="85000"/>
-            </a:srgbClr>
-          </a:solidFill>
-          <a:ln>
-            <a:noFill/>
-          </a:ln>
-          <a:effectLst>
-            <a:reflection blurRad="12700" stA="38000" endPos="28000" dist="5000" dir="5400000" sy="-100000" algn="bl" rotWithShape="0"/>
-          </a:effectLst>
-          <a:extLst/>
-        </p:spPr>
-      </p:pic>
+        </p:grpSpPr>
+        <p:pic>
+          <p:nvPicPr>
+            <p:cNvPr id="40" name="그림 39"/>
+            <p:cNvPicPr>
+              <a:picLocks noChangeAspect="1"/>
+            </p:cNvPicPr>
+            <p:nvPr/>
+          </p:nvPicPr>
+          <p:blipFill>
+            <a:blip r:embed="rId2">
+              <a:extLst>
+                <a:ext uri="{28A0092B-C50C-407E-A947-70E740481C1C}">
+                  <a14:useLocalDpi xmlns:a14="http://schemas.microsoft.com/office/drawing/2010/main" val="0"/>
+                </a:ext>
+              </a:extLst>
+            </a:blip>
+            <a:stretch>
+              <a:fillRect/>
+            </a:stretch>
+          </p:blipFill>
+          <p:spPr>
+            <a:xfrm>
+              <a:off x="1438713" y="1151215"/>
+              <a:ext cx="9525748" cy="5751610"/>
+            </a:xfrm>
+            <a:prstGeom prst="rect">
+              <a:avLst/>
+            </a:prstGeom>
+          </p:spPr>
+        </p:pic>
+        <p:cxnSp>
+          <p:nvCxnSpPr>
+            <p:cNvPr id="42" name="직선 화살표 연결선 41"/>
+            <p:cNvCxnSpPr/>
+            <p:nvPr/>
+          </p:nvCxnSpPr>
+          <p:spPr>
+            <a:xfrm flipV="1">
+              <a:off x="4121045" y="4206927"/>
+              <a:ext cx="2527729" cy="457199"/>
+            </a:xfrm>
+            <a:prstGeom prst="straightConnector1">
+              <a:avLst/>
+            </a:prstGeom>
+            <a:ln w="25400">
+              <a:solidFill>
+                <a:srgbClr val="FF0000"/>
+              </a:solidFill>
+              <a:tailEnd type="triangle"/>
+            </a:ln>
+          </p:spPr>
+          <p:style>
+            <a:lnRef idx="1">
+              <a:schemeClr val="accent1"/>
+            </a:lnRef>
+            <a:fillRef idx="0">
+              <a:schemeClr val="accent1"/>
+            </a:fillRef>
+            <a:effectRef idx="0">
+              <a:schemeClr val="accent1"/>
+            </a:effectRef>
+            <a:fontRef idx="minor">
+              <a:schemeClr val="tx1"/>
+            </a:fontRef>
+          </p:style>
+        </p:cxnSp>
+        <p:grpSp>
+          <p:nvGrpSpPr>
+            <p:cNvPr id="10" name="그룹 9"/>
+            <p:cNvGrpSpPr/>
+            <p:nvPr/>
+          </p:nvGrpSpPr>
+          <p:grpSpPr>
+            <a:xfrm>
+              <a:off x="6777626" y="2693766"/>
+              <a:ext cx="4057983" cy="3689105"/>
+              <a:chOff x="7037602" y="2460683"/>
+              <a:chExt cx="3576918" cy="2967318"/>
+            </a:xfrm>
+          </p:grpSpPr>
+          <p:pic>
+            <p:nvPicPr>
+              <p:cNvPr id="43" name="그림 42"/>
+              <p:cNvPicPr>
+                <a:picLocks noChangeAspect="1"/>
+              </p:cNvPicPr>
+              <p:nvPr/>
+            </p:nvPicPr>
+            <p:blipFill>
+              <a:blip r:embed="rId3">
+                <a:extLst>
+                  <a:ext uri="{28A0092B-C50C-407E-A947-70E740481C1C}">
+                    <a14:useLocalDpi xmlns:a14="http://schemas.microsoft.com/office/drawing/2010/main" val="0"/>
+                  </a:ext>
+                </a:extLst>
+              </a:blip>
+              <a:stretch>
+                <a:fillRect/>
+              </a:stretch>
+            </p:blipFill>
+            <p:spPr>
+              <a:xfrm>
+                <a:off x="7172382" y="2596692"/>
+                <a:ext cx="3307359" cy="2677371"/>
+              </a:xfrm>
+              <a:prstGeom prst="rect">
+                <a:avLst/>
+              </a:prstGeom>
+            </p:spPr>
+          </p:pic>
+          <p:sp>
+            <p:nvSpPr>
+              <p:cNvPr id="7" name="직사각형 6"/>
+              <p:cNvSpPr/>
+              <p:nvPr/>
+            </p:nvSpPr>
+            <p:spPr>
+              <a:xfrm>
+                <a:off x="7037602" y="2460683"/>
+                <a:ext cx="3576918" cy="2967318"/>
+              </a:xfrm>
+              <a:prstGeom prst="rect">
+                <a:avLst/>
+              </a:prstGeom>
+              <a:noFill/>
+              <a:ln w="25400">
+                <a:solidFill>
+                  <a:srgbClr val="FF0000"/>
+                </a:solidFill>
+              </a:ln>
+            </p:spPr>
+            <p:style>
+              <a:lnRef idx="2">
+                <a:schemeClr val="accent1">
+                  <a:shade val="50000"/>
+                </a:schemeClr>
+              </a:lnRef>
+              <a:fillRef idx="1">
+                <a:schemeClr val="accent1"/>
+              </a:fillRef>
+              <a:effectRef idx="0">
+                <a:schemeClr val="accent1"/>
+              </a:effectRef>
+              <a:fontRef idx="minor">
+                <a:schemeClr val="lt1"/>
+              </a:fontRef>
+            </p:style>
+            <p:txBody>
+              <a:bodyPr rtlCol="0" anchor="ctr"/>
+              <a:lstStyle/>
+              <a:p>
+                <a:pPr algn="ctr"/>
+                <a:endParaRPr lang="ko-KR" altLang="en-US"/>
+              </a:p>
+            </p:txBody>
+          </p:sp>
+        </p:grpSp>
+      </p:grpSp>
       <p:sp>
         <p:nvSpPr>
-          <p:cNvPr id="23" name="사각형: 둥근 모서리 7"/>
+          <p:cNvPr id="29" name="사각형: 둥근 모서리 7"/>
           <p:cNvSpPr/>
           <p:nvPr/>
         </p:nvSpPr>
@@ -6263,10 +6482,56 @@
           </a:p>
         </p:txBody>
       </p:sp>
+      <p:sp>
+        <p:nvSpPr>
+          <p:cNvPr id="17" name="직사각형 16"/>
+          <p:cNvSpPr/>
+          <p:nvPr/>
+        </p:nvSpPr>
+        <p:spPr>
+          <a:xfrm>
+            <a:off x="3435062" y="4467794"/>
+            <a:ext cx="375615" cy="363075"/>
+          </a:xfrm>
+          <a:prstGeom prst="rect">
+            <a:avLst/>
+          </a:prstGeom>
+          <a:noFill/>
+          <a:ln w="25400">
+            <a:solidFill>
+              <a:srgbClr val="FF0000"/>
+            </a:solidFill>
+          </a:ln>
+        </p:spPr>
+        <p:style>
+          <a:lnRef idx="2">
+            <a:schemeClr val="accent1">
+              <a:shade val="50000"/>
+            </a:schemeClr>
+          </a:lnRef>
+          <a:fillRef idx="1">
+            <a:schemeClr val="accent1"/>
+          </a:fillRef>
+          <a:effectRef idx="0">
+            <a:schemeClr val="accent1"/>
+          </a:effectRef>
+          <a:fontRef idx="minor">
+            <a:schemeClr val="lt1"/>
+          </a:fontRef>
+        </p:style>
+        <p:txBody>
+          <a:bodyPr rtlCol="0" anchor="ctr"/>
+          <a:lstStyle/>
+          <a:p>
+            <a:pPr algn="ctr"/>
+            <a:endParaRPr lang="ko-KR" altLang="en-US"/>
+          </a:p>
+        </p:txBody>
+      </p:sp>
     </p:spTree>
     <p:extLst>
       <p:ext uri="{BB962C8B-B14F-4D97-AF65-F5344CB8AC3E}">
-        <p14:creationId xmlns:p14="http://schemas.microsoft.com/office/powerpoint/2010/main" val="1138778803"/>
+        <p14:creationId xmlns:p14="http://schemas.microsoft.com/office/powerpoint/2010/main" val="2077217559"/>
       </p:ext>
     </p:extLst>
   </p:cSld>
@@ -6885,6 +7150,844 @@
       </p:grpSpPr>
       <p:sp>
         <p:nvSpPr>
+          <p:cNvPr id="15" name="Rectangle 2"/>
+          <p:cNvSpPr>
+            <a:spLocks noChangeArrowheads="1"/>
+          </p:cNvSpPr>
+          <p:nvPr/>
+        </p:nvSpPr>
+        <p:spPr bwMode="auto">
+          <a:xfrm>
+            <a:off x="1942012" y="1330996"/>
+            <a:ext cx="184731" cy="369332"/>
+          </a:xfrm>
+          <a:prstGeom prst="rect">
+            <a:avLst/>
+          </a:prstGeom>
+          <a:noFill/>
+          <a:ln>
+            <a:noFill/>
+          </a:ln>
+          <a:effectLst/>
+          <a:extLst>
+            <a:ext uri="{909E8E84-426E-40DD-AFC4-6F175D3DCCD1}">
+              <a14:hiddenFill xmlns:a14="http://schemas.microsoft.com/office/drawing/2010/main">
+                <a:solidFill>
+                  <a:schemeClr val="accent1"/>
+                </a:solidFill>
+              </a14:hiddenFill>
+            </a:ext>
+            <a:ext uri="{91240B29-F687-4F45-9708-019B960494DF}">
+              <a14:hiddenLine xmlns:a14="http://schemas.microsoft.com/office/drawing/2010/main" w="9525">
+                <a:solidFill>
+                  <a:schemeClr val="tx1"/>
+                </a:solidFill>
+                <a:miter lim="800000"/>
+                <a:headEnd/>
+                <a:tailEnd/>
+              </a14:hiddenLine>
+            </a:ext>
+            <a:ext uri="{AF507438-7753-43E0-B8FC-AC1667EBCBE1}">
+              <a14:hiddenEffects xmlns:a14="http://schemas.microsoft.com/office/drawing/2010/main">
+                <a:effectLst>
+                  <a:outerShdw dist="35921" dir="2700000" algn="ctr" rotWithShape="0">
+                    <a:schemeClr val="bg2"/>
+                  </a:outerShdw>
+                </a:effectLst>
+              </a14:hiddenEffects>
+            </a:ext>
+          </a:extLst>
+        </p:spPr>
+        <p:txBody>
+          <a:bodyPr vert="horz" wrap="none" lIns="91440" tIns="45720" rIns="91440" bIns="45720" numCol="1" anchor="ctr" anchorCtr="0" compatLnSpc="1">
+            <a:prstTxWarp prst="textNoShape">
+              <a:avLst/>
+            </a:prstTxWarp>
+            <a:spAutoFit/>
+          </a:bodyPr>
+          <a:lstStyle/>
+          <a:p>
+            <a:endParaRPr lang="ko-KR" altLang="en-US"/>
+          </a:p>
+        </p:txBody>
+      </p:sp>
+      <p:sp>
+        <p:nvSpPr>
+          <p:cNvPr id="17" name="Rectangle 4"/>
+          <p:cNvSpPr>
+            <a:spLocks noChangeArrowheads="1"/>
+          </p:cNvSpPr>
+          <p:nvPr/>
+        </p:nvSpPr>
+        <p:spPr bwMode="auto">
+          <a:xfrm>
+            <a:off x="2099157" y="1143429"/>
+            <a:ext cx="184731" cy="369332"/>
+          </a:xfrm>
+          <a:prstGeom prst="rect">
+            <a:avLst/>
+          </a:prstGeom>
+          <a:noFill/>
+          <a:ln>
+            <a:noFill/>
+          </a:ln>
+          <a:effectLst/>
+          <a:extLst>
+            <a:ext uri="{909E8E84-426E-40DD-AFC4-6F175D3DCCD1}">
+              <a14:hiddenFill xmlns:a14="http://schemas.microsoft.com/office/drawing/2010/main">
+                <a:solidFill>
+                  <a:schemeClr val="accent1"/>
+                </a:solidFill>
+              </a14:hiddenFill>
+            </a:ext>
+            <a:ext uri="{91240B29-F687-4F45-9708-019B960494DF}">
+              <a14:hiddenLine xmlns:a14="http://schemas.microsoft.com/office/drawing/2010/main" w="9525">
+                <a:solidFill>
+                  <a:schemeClr val="tx1"/>
+                </a:solidFill>
+                <a:miter lim="800000"/>
+                <a:headEnd/>
+                <a:tailEnd/>
+              </a14:hiddenLine>
+            </a:ext>
+            <a:ext uri="{AF507438-7753-43E0-B8FC-AC1667EBCBE1}">
+              <a14:hiddenEffects xmlns:a14="http://schemas.microsoft.com/office/drawing/2010/main">
+                <a:effectLst>
+                  <a:outerShdw dist="35921" dir="2700000" algn="ctr" rotWithShape="0">
+                    <a:schemeClr val="bg2"/>
+                  </a:outerShdw>
+                </a:effectLst>
+              </a14:hiddenEffects>
+            </a:ext>
+          </a:extLst>
+        </p:spPr>
+        <p:txBody>
+          <a:bodyPr vert="horz" wrap="none" lIns="91440" tIns="45720" rIns="91440" bIns="45720" numCol="1" anchor="ctr" anchorCtr="0" compatLnSpc="1">
+            <a:prstTxWarp prst="textNoShape">
+              <a:avLst/>
+            </a:prstTxWarp>
+            <a:spAutoFit/>
+          </a:bodyPr>
+          <a:lstStyle/>
+          <a:p>
+            <a:endParaRPr lang="ko-KR" altLang="en-US"/>
+          </a:p>
+        </p:txBody>
+      </p:sp>
+      <p:sp>
+        <p:nvSpPr>
+          <p:cNvPr id="2" name="Rectangle 2"/>
+          <p:cNvSpPr>
+            <a:spLocks noChangeArrowheads="1"/>
+          </p:cNvSpPr>
+          <p:nvPr/>
+        </p:nvSpPr>
+        <p:spPr bwMode="auto">
+          <a:xfrm>
+            <a:off x="1524001" y="43934"/>
+            <a:ext cx="184731" cy="369332"/>
+          </a:xfrm>
+          <a:prstGeom prst="rect">
+            <a:avLst/>
+          </a:prstGeom>
+          <a:noFill/>
+          <a:ln>
+            <a:noFill/>
+          </a:ln>
+          <a:effectLst/>
+          <a:extLst>
+            <a:ext uri="{909E8E84-426E-40DD-AFC4-6F175D3DCCD1}">
+              <a14:hiddenFill xmlns:a14="http://schemas.microsoft.com/office/drawing/2010/main">
+                <a:solidFill>
+                  <a:schemeClr val="accent1"/>
+                </a:solidFill>
+              </a14:hiddenFill>
+            </a:ext>
+            <a:ext uri="{91240B29-F687-4F45-9708-019B960494DF}">
+              <a14:hiddenLine xmlns:a14="http://schemas.microsoft.com/office/drawing/2010/main" w="9525">
+                <a:solidFill>
+                  <a:schemeClr val="tx1"/>
+                </a:solidFill>
+                <a:miter lim="800000"/>
+                <a:headEnd/>
+                <a:tailEnd/>
+              </a14:hiddenLine>
+            </a:ext>
+            <a:ext uri="{AF507438-7753-43E0-B8FC-AC1667EBCBE1}">
+              <a14:hiddenEffects xmlns:a14="http://schemas.microsoft.com/office/drawing/2010/main">
+                <a:effectLst>
+                  <a:outerShdw dist="35921" dir="2700000" algn="ctr" rotWithShape="0">
+                    <a:schemeClr val="bg2"/>
+                  </a:outerShdw>
+                </a:effectLst>
+              </a14:hiddenEffects>
+            </a:ext>
+          </a:extLst>
+        </p:spPr>
+        <p:txBody>
+          <a:bodyPr vert="horz" wrap="none" lIns="91440" tIns="45720" rIns="91440" bIns="45720" numCol="1" anchor="ctr" anchorCtr="0" compatLnSpc="1">
+            <a:prstTxWarp prst="textNoShape">
+              <a:avLst/>
+            </a:prstTxWarp>
+            <a:spAutoFit/>
+          </a:bodyPr>
+          <a:lstStyle/>
+          <a:p>
+            <a:endParaRPr lang="ko-KR" altLang="en-US"/>
+          </a:p>
+        </p:txBody>
+      </p:sp>
+      <p:pic>
+        <p:nvPicPr>
+          <p:cNvPr id="4" name="그림 3"/>
+          <p:cNvPicPr>
+            <a:picLocks noChangeAspect="1"/>
+          </p:cNvPicPr>
+          <p:nvPr/>
+        </p:nvPicPr>
+        <p:blipFill>
+          <a:blip r:embed="rId3">
+            <a:extLst>
+              <a:ext uri="{28A0092B-C50C-407E-A947-70E740481C1C}">
+                <a14:useLocalDpi xmlns:a14="http://schemas.microsoft.com/office/drawing/2010/main" val="0"/>
+              </a:ext>
+            </a:extLst>
+          </a:blip>
+          <a:stretch>
+            <a:fillRect/>
+          </a:stretch>
+        </p:blipFill>
+        <p:spPr>
+          <a:xfrm>
+            <a:off x="1232626" y="1328095"/>
+            <a:ext cx="3765478" cy="2658956"/>
+          </a:xfrm>
+          <a:prstGeom prst="rect">
+            <a:avLst/>
+          </a:prstGeom>
+          <a:solidFill>
+            <a:srgbClr val="FFFFFF">
+              <a:shade val="85000"/>
+            </a:srgbClr>
+          </a:solidFill>
+          <a:ln w="88900" cap="sq">
+            <a:solidFill>
+              <a:srgbClr val="FFFFFF"/>
+            </a:solidFill>
+            <a:miter lim="800000"/>
+          </a:ln>
+          <a:effectLst>
+            <a:outerShdw blurRad="55000" dist="18000" dir="5400000" algn="tl" rotWithShape="0">
+              <a:srgbClr val="000000">
+                <a:alpha val="40000"/>
+              </a:srgbClr>
+            </a:outerShdw>
+          </a:effectLst>
+          <a:scene3d>
+            <a:camera prst="orthographicFront"/>
+            <a:lightRig rig="twoPt" dir="t">
+              <a:rot lat="0" lon="0" rev="7200000"/>
+            </a:lightRig>
+          </a:scene3d>
+          <a:sp3d>
+            <a:bevelT w="25400" h="19050"/>
+            <a:contourClr>
+              <a:srgbClr val="FFFFFF"/>
+            </a:contourClr>
+          </a:sp3d>
+        </p:spPr>
+      </p:pic>
+      <p:pic>
+        <p:nvPicPr>
+          <p:cNvPr id="8" name="그림 7"/>
+          <p:cNvPicPr>
+            <a:picLocks noChangeAspect="1"/>
+          </p:cNvPicPr>
+          <p:nvPr/>
+        </p:nvPicPr>
+        <p:blipFill>
+          <a:blip r:embed="rId4">
+            <a:extLst>
+              <a:ext uri="{28A0092B-C50C-407E-A947-70E740481C1C}">
+                <a14:useLocalDpi xmlns:a14="http://schemas.microsoft.com/office/drawing/2010/main" val="0"/>
+              </a:ext>
+            </a:extLst>
+          </a:blip>
+          <a:stretch>
+            <a:fillRect/>
+          </a:stretch>
+        </p:blipFill>
+        <p:spPr>
+          <a:xfrm>
+            <a:off x="5888183" y="4121538"/>
+            <a:ext cx="4284605" cy="2252999"/>
+          </a:xfrm>
+          <a:prstGeom prst="rect">
+            <a:avLst/>
+          </a:prstGeom>
+          <a:solidFill>
+            <a:srgbClr val="FFFFFF">
+              <a:shade val="85000"/>
+            </a:srgbClr>
+          </a:solidFill>
+          <a:ln w="88900" cap="sq">
+            <a:solidFill>
+              <a:srgbClr val="FFFFFF"/>
+            </a:solidFill>
+            <a:miter lim="800000"/>
+          </a:ln>
+          <a:effectLst>
+            <a:outerShdw blurRad="55000" dist="18000" dir="5400000" algn="tl" rotWithShape="0">
+              <a:srgbClr val="000000">
+                <a:alpha val="40000"/>
+              </a:srgbClr>
+            </a:outerShdw>
+          </a:effectLst>
+          <a:scene3d>
+            <a:camera prst="orthographicFront"/>
+            <a:lightRig rig="twoPt" dir="t">
+              <a:rot lat="0" lon="0" rev="7200000"/>
+            </a:lightRig>
+          </a:scene3d>
+          <a:sp3d>
+            <a:bevelT w="25400" h="19050"/>
+            <a:contourClr>
+              <a:srgbClr val="FFFFFF"/>
+            </a:contourClr>
+          </a:sp3d>
+        </p:spPr>
+      </p:pic>
+      <p:sp>
+        <p:nvSpPr>
+          <p:cNvPr id="9" name="굽은 화살표 8"/>
+          <p:cNvSpPr/>
+          <p:nvPr/>
+        </p:nvSpPr>
+        <p:spPr>
+          <a:xfrm rot="5400000">
+            <a:off x="5597127" y="2718315"/>
+            <a:ext cx="928076" cy="1062446"/>
+          </a:xfrm>
+          <a:prstGeom prst="bentArrow">
+            <a:avLst>
+              <a:gd name="adj1" fmla="val 25000"/>
+              <a:gd name="adj2" fmla="val 25000"/>
+              <a:gd name="adj3" fmla="val 25000"/>
+              <a:gd name="adj4" fmla="val 40689"/>
+            </a:avLst>
+          </a:prstGeom>
+          <a:solidFill>
+            <a:srgbClr val="FF0000"/>
+          </a:solidFill>
+          <a:ln>
+            <a:noFill/>
+          </a:ln>
+          <a:effectLst>
+            <a:outerShdw blurRad="50800" dist="38100" dir="2700000" algn="tl" rotWithShape="0">
+              <a:prstClr val="black">
+                <a:alpha val="40000"/>
+              </a:prstClr>
+            </a:outerShdw>
+          </a:effectLst>
+        </p:spPr>
+        <p:style>
+          <a:lnRef idx="2">
+            <a:schemeClr val="accent1">
+              <a:shade val="50000"/>
+            </a:schemeClr>
+          </a:lnRef>
+          <a:fillRef idx="1">
+            <a:schemeClr val="accent1"/>
+          </a:fillRef>
+          <a:effectRef idx="0">
+            <a:schemeClr val="accent1"/>
+          </a:effectRef>
+          <a:fontRef idx="minor">
+            <a:schemeClr val="lt1"/>
+          </a:fontRef>
+        </p:style>
+        <p:txBody>
+          <a:bodyPr rtlCol="0" anchor="ctr"/>
+          <a:lstStyle/>
+          <a:p>
+            <a:pPr algn="ctr"/>
+            <a:endParaRPr lang="ko-KR" altLang="en-US">
+              <a:solidFill>
+                <a:schemeClr val="tx1"/>
+              </a:solidFill>
+            </a:endParaRPr>
+          </a:p>
+        </p:txBody>
+      </p:sp>
+      <p:sp>
+        <p:nvSpPr>
+          <p:cNvPr id="16" name="TextBox 15"/>
+          <p:cNvSpPr txBox="1"/>
+          <p:nvPr/>
+        </p:nvSpPr>
+        <p:spPr>
+          <a:xfrm>
+            <a:off x="5885412" y="2000900"/>
+            <a:ext cx="4650378" cy="584775"/>
+          </a:xfrm>
+          <a:prstGeom prst="rect">
+            <a:avLst/>
+          </a:prstGeom>
+          <a:noFill/>
+        </p:spPr>
+        <p:txBody>
+          <a:bodyPr wrap="square" rtlCol="0">
+            <a:spAutoFit/>
+          </a:bodyPr>
+          <a:lstStyle/>
+          <a:p>
+            <a:r>
+              <a:rPr lang="en-US" altLang="ko-KR" sz="3200" dirty="0">
+                <a:latin typeface="HY견고딕" panose="02030600000101010101" pitchFamily="18" charset="-127"/>
+                <a:ea typeface="HY견고딕" panose="02030600000101010101" pitchFamily="18" charset="-127"/>
+              </a:rPr>
+              <a:t>2D -&gt; 3D </a:t>
+            </a:r>
+            <a:r>
+              <a:rPr lang="ko-KR" altLang="en-US" sz="3200" dirty="0">
+                <a:latin typeface="HY견고딕" panose="02030600000101010101" pitchFamily="18" charset="-127"/>
+                <a:ea typeface="HY견고딕" panose="02030600000101010101" pitchFamily="18" charset="-127"/>
+              </a:rPr>
+              <a:t>전환</a:t>
+            </a:r>
+          </a:p>
+        </p:txBody>
+      </p:sp>
+      <p:sp>
+        <p:nvSpPr>
+          <p:cNvPr id="14" name="직사각형 13"/>
+          <p:cNvSpPr/>
+          <p:nvPr/>
+        </p:nvSpPr>
+        <p:spPr>
+          <a:xfrm>
+            <a:off x="204895" y="149402"/>
+            <a:ext cx="1157689" cy="369332"/>
+          </a:xfrm>
+          <a:prstGeom prst="rect">
+            <a:avLst/>
+          </a:prstGeom>
+        </p:spPr>
+        <p:txBody>
+          <a:bodyPr wrap="none">
+            <a:spAutoFit/>
+          </a:bodyPr>
+          <a:lstStyle/>
+          <a:p>
+            <a:r>
+              <a:rPr lang="en-US" altLang="ko-KR" b="1" dirty="0" err="1" smtClean="0">
+                <a:solidFill>
+                  <a:srgbClr val="C0504D"/>
+                </a:solidFill>
+                <a:latin typeface="맑은 고딕" panose="020B0503020000020004" pitchFamily="50" charset="-127"/>
+                <a:ea typeface="맑은 고딕" panose="020B0503020000020004" pitchFamily="50" charset="-127"/>
+              </a:rPr>
+              <a:t>Nobrand</a:t>
+            </a:r>
+            <a:endParaRPr lang="ko-KR" altLang="en-US" b="1" dirty="0">
+              <a:solidFill>
+                <a:srgbClr val="C0504D"/>
+              </a:solidFill>
+              <a:latin typeface="맑은 고딕" panose="020B0503020000020004" pitchFamily="50" charset="-127"/>
+              <a:ea typeface="맑은 고딕" panose="020B0503020000020004" pitchFamily="50" charset="-127"/>
+            </a:endParaRPr>
+          </a:p>
+        </p:txBody>
+      </p:sp>
+      <p:sp>
+        <p:nvSpPr>
+          <p:cNvPr id="18" name="직사각형 17"/>
+          <p:cNvSpPr/>
+          <p:nvPr/>
+        </p:nvSpPr>
+        <p:spPr>
+          <a:xfrm>
+            <a:off x="0" y="593901"/>
+            <a:ext cx="12192000" cy="437322"/>
+          </a:xfrm>
+          <a:prstGeom prst="rect">
+            <a:avLst/>
+          </a:prstGeom>
+          <a:solidFill>
+            <a:srgbClr val="C0504D"/>
+          </a:solidFill>
+          <a:ln>
+            <a:noFill/>
+          </a:ln>
+        </p:spPr>
+        <p:style>
+          <a:lnRef idx="2">
+            <a:schemeClr val="accent1">
+              <a:shade val="50000"/>
+            </a:schemeClr>
+          </a:lnRef>
+          <a:fillRef idx="1">
+            <a:schemeClr val="accent1"/>
+          </a:fillRef>
+          <a:effectRef idx="0">
+            <a:schemeClr val="accent1"/>
+          </a:effectRef>
+          <a:fontRef idx="minor">
+            <a:schemeClr val="lt1"/>
+          </a:fontRef>
+        </p:style>
+        <p:txBody>
+          <a:bodyPr rtlCol="0" anchor="ctr"/>
+          <a:lstStyle/>
+          <a:p>
+            <a:pPr algn="ctr"/>
+            <a:endParaRPr lang="ko-KR" altLang="en-US"/>
+          </a:p>
+        </p:txBody>
+      </p:sp>
+      <p:sp>
+        <p:nvSpPr>
+          <p:cNvPr id="19" name="타원 18"/>
+          <p:cNvSpPr/>
+          <p:nvPr/>
+        </p:nvSpPr>
+        <p:spPr>
+          <a:xfrm>
+            <a:off x="11863088" y="208540"/>
+            <a:ext cx="155494" cy="155494"/>
+          </a:xfrm>
+          <a:prstGeom prst="ellipse">
+            <a:avLst/>
+          </a:prstGeom>
+          <a:solidFill>
+            <a:schemeClr val="bg1">
+              <a:lumMod val="75000"/>
+            </a:schemeClr>
+          </a:solidFill>
+          <a:ln>
+            <a:noFill/>
+          </a:ln>
+        </p:spPr>
+        <p:style>
+          <a:lnRef idx="2">
+            <a:schemeClr val="accent1">
+              <a:shade val="50000"/>
+            </a:schemeClr>
+          </a:lnRef>
+          <a:fillRef idx="1">
+            <a:schemeClr val="accent1"/>
+          </a:fillRef>
+          <a:effectRef idx="0">
+            <a:schemeClr val="accent1"/>
+          </a:effectRef>
+          <a:fontRef idx="minor">
+            <a:schemeClr val="lt1"/>
+          </a:fontRef>
+        </p:style>
+        <p:txBody>
+          <a:bodyPr rtlCol="0" anchor="ctr"/>
+          <a:lstStyle/>
+          <a:p>
+            <a:pPr algn="ctr"/>
+            <a:endParaRPr lang="ko-KR" altLang="en-US"/>
+          </a:p>
+        </p:txBody>
+      </p:sp>
+      <p:sp>
+        <p:nvSpPr>
+          <p:cNvPr id="20" name="타원 19"/>
+          <p:cNvSpPr/>
+          <p:nvPr/>
+        </p:nvSpPr>
+        <p:spPr>
+          <a:xfrm>
+            <a:off x="11637815" y="208540"/>
+            <a:ext cx="155494" cy="155494"/>
+          </a:xfrm>
+          <a:prstGeom prst="ellipse">
+            <a:avLst/>
+          </a:prstGeom>
+          <a:solidFill>
+            <a:schemeClr val="bg1">
+              <a:lumMod val="75000"/>
+            </a:schemeClr>
+          </a:solidFill>
+          <a:ln>
+            <a:noFill/>
+          </a:ln>
+        </p:spPr>
+        <p:style>
+          <a:lnRef idx="2">
+            <a:schemeClr val="accent1">
+              <a:shade val="50000"/>
+            </a:schemeClr>
+          </a:lnRef>
+          <a:fillRef idx="1">
+            <a:schemeClr val="accent1"/>
+          </a:fillRef>
+          <a:effectRef idx="0">
+            <a:schemeClr val="accent1"/>
+          </a:effectRef>
+          <a:fontRef idx="minor">
+            <a:schemeClr val="lt1"/>
+          </a:fontRef>
+        </p:style>
+        <p:txBody>
+          <a:bodyPr rtlCol="0" anchor="ctr"/>
+          <a:lstStyle/>
+          <a:p>
+            <a:pPr algn="ctr"/>
+            <a:endParaRPr lang="ko-KR" altLang="en-US"/>
+          </a:p>
+        </p:txBody>
+      </p:sp>
+      <p:sp>
+        <p:nvSpPr>
+          <p:cNvPr id="21" name="타원 20"/>
+          <p:cNvSpPr/>
+          <p:nvPr/>
+        </p:nvSpPr>
+        <p:spPr>
+          <a:xfrm>
+            <a:off x="11409450" y="208540"/>
+            <a:ext cx="155494" cy="155494"/>
+          </a:xfrm>
+          <a:prstGeom prst="ellipse">
+            <a:avLst/>
+          </a:prstGeom>
+          <a:solidFill>
+            <a:schemeClr val="bg1">
+              <a:lumMod val="75000"/>
+            </a:schemeClr>
+          </a:solidFill>
+          <a:ln>
+            <a:noFill/>
+          </a:ln>
+        </p:spPr>
+        <p:style>
+          <a:lnRef idx="2">
+            <a:schemeClr val="accent1">
+              <a:shade val="50000"/>
+            </a:schemeClr>
+          </a:lnRef>
+          <a:fillRef idx="1">
+            <a:schemeClr val="accent1"/>
+          </a:fillRef>
+          <a:effectRef idx="0">
+            <a:schemeClr val="accent1"/>
+          </a:effectRef>
+          <a:fontRef idx="minor">
+            <a:schemeClr val="lt1"/>
+          </a:fontRef>
+        </p:style>
+        <p:txBody>
+          <a:bodyPr rtlCol="0" anchor="ctr"/>
+          <a:lstStyle/>
+          <a:p>
+            <a:pPr algn="ctr"/>
+            <a:endParaRPr lang="ko-KR" altLang="en-US"/>
+          </a:p>
+        </p:txBody>
+      </p:sp>
+      <p:sp>
+        <p:nvSpPr>
+          <p:cNvPr id="22" name="타원 21"/>
+          <p:cNvSpPr/>
+          <p:nvPr/>
+        </p:nvSpPr>
+        <p:spPr>
+          <a:xfrm>
+            <a:off x="10964461" y="208540"/>
+            <a:ext cx="155494" cy="155494"/>
+          </a:xfrm>
+          <a:prstGeom prst="ellipse">
+            <a:avLst/>
+          </a:prstGeom>
+          <a:solidFill>
+            <a:schemeClr val="bg1">
+              <a:lumMod val="75000"/>
+            </a:schemeClr>
+          </a:solidFill>
+          <a:ln>
+            <a:noFill/>
+          </a:ln>
+        </p:spPr>
+        <p:style>
+          <a:lnRef idx="2">
+            <a:schemeClr val="accent1">
+              <a:shade val="50000"/>
+            </a:schemeClr>
+          </a:lnRef>
+          <a:fillRef idx="1">
+            <a:schemeClr val="accent1"/>
+          </a:fillRef>
+          <a:effectRef idx="0">
+            <a:schemeClr val="accent1"/>
+          </a:effectRef>
+          <a:fontRef idx="minor">
+            <a:schemeClr val="lt1"/>
+          </a:fontRef>
+        </p:style>
+        <p:txBody>
+          <a:bodyPr rtlCol="0" anchor="ctr"/>
+          <a:lstStyle/>
+          <a:p>
+            <a:pPr algn="ctr"/>
+            <a:endParaRPr lang="ko-KR" altLang="en-US"/>
+          </a:p>
+        </p:txBody>
+      </p:sp>
+      <p:sp>
+        <p:nvSpPr>
+          <p:cNvPr id="23" name="타원 22"/>
+          <p:cNvSpPr/>
+          <p:nvPr/>
+        </p:nvSpPr>
+        <p:spPr>
+          <a:xfrm>
+            <a:off x="11193625" y="206993"/>
+            <a:ext cx="155494" cy="155494"/>
+          </a:xfrm>
+          <a:prstGeom prst="ellipse">
+            <a:avLst/>
+          </a:prstGeom>
+          <a:solidFill>
+            <a:srgbClr val="C0504D"/>
+          </a:solidFill>
+          <a:ln>
+            <a:noFill/>
+          </a:ln>
+        </p:spPr>
+        <p:style>
+          <a:lnRef idx="2">
+            <a:schemeClr val="accent1">
+              <a:shade val="50000"/>
+            </a:schemeClr>
+          </a:lnRef>
+          <a:fillRef idx="1">
+            <a:schemeClr val="accent1"/>
+          </a:fillRef>
+          <a:effectRef idx="0">
+            <a:schemeClr val="accent1"/>
+          </a:effectRef>
+          <a:fontRef idx="minor">
+            <a:schemeClr val="lt1"/>
+          </a:fontRef>
+        </p:style>
+        <p:txBody>
+          <a:bodyPr rtlCol="0" anchor="ctr"/>
+          <a:lstStyle/>
+          <a:p>
+            <a:pPr algn="ctr"/>
+            <a:endParaRPr lang="ko-KR" altLang="en-US"/>
+          </a:p>
+        </p:txBody>
+      </p:sp>
+      <p:sp>
+        <p:nvSpPr>
+          <p:cNvPr id="24" name="직사각형 23"/>
+          <p:cNvSpPr/>
+          <p:nvPr/>
+        </p:nvSpPr>
+        <p:spPr>
+          <a:xfrm>
+            <a:off x="107494" y="627896"/>
+            <a:ext cx="3629135" cy="338554"/>
+          </a:xfrm>
+          <a:prstGeom prst="rect">
+            <a:avLst/>
+          </a:prstGeom>
+        </p:spPr>
+        <p:txBody>
+          <a:bodyPr wrap="none">
+            <a:spAutoFit/>
+          </a:bodyPr>
+          <a:lstStyle/>
+          <a:p>
+            <a:r>
+              <a:rPr lang="en-US" altLang="ko-KR" sz="1600" dirty="0">
+                <a:solidFill>
+                  <a:schemeClr val="bg1"/>
+                </a:solidFill>
+                <a:latin typeface="맑은 고딕" panose="020B0503020000020004" pitchFamily="50" charset="-127"/>
+              </a:rPr>
+              <a:t>PART 2</a:t>
+            </a:r>
+            <a:r>
+              <a:rPr lang="ko-KR" altLang="en-US" sz="1600" dirty="0">
+                <a:solidFill>
+                  <a:schemeClr val="bg1"/>
+                </a:solidFill>
+                <a:latin typeface="맑은 고딕" panose="020B0503020000020004" pitchFamily="50" charset="-127"/>
+              </a:rPr>
+              <a:t> 서비스 소개 </a:t>
+            </a:r>
+            <a:r>
+              <a:rPr lang="en-US" altLang="ko-KR" sz="1600" dirty="0">
+                <a:solidFill>
+                  <a:schemeClr val="bg1"/>
+                </a:solidFill>
+                <a:latin typeface="맑은 고딕" panose="020B0503020000020004" pitchFamily="50" charset="-127"/>
+              </a:rPr>
+              <a:t>– </a:t>
+            </a:r>
+            <a:r>
+              <a:rPr lang="ko-KR" altLang="en-US" sz="1600" dirty="0">
+                <a:solidFill>
+                  <a:schemeClr val="bg1"/>
+                </a:solidFill>
+                <a:latin typeface="맑은 고딕" panose="020B0503020000020004" pitchFamily="50" charset="-127"/>
+              </a:rPr>
+              <a:t>가구 배치 기능</a:t>
+            </a:r>
+            <a:endParaRPr lang="en-US" altLang="ko-KR" sz="1600" dirty="0">
+              <a:solidFill>
+                <a:schemeClr val="bg1"/>
+              </a:solidFill>
+              <a:latin typeface="맑은 고딕" panose="020B0503020000020004" pitchFamily="50" charset="-127"/>
+            </a:endParaRPr>
+          </a:p>
+        </p:txBody>
+      </p:sp>
+    </p:spTree>
+    <p:extLst>
+      <p:ext uri="{BB962C8B-B14F-4D97-AF65-F5344CB8AC3E}">
+        <p14:creationId xmlns:p14="http://schemas.microsoft.com/office/powerpoint/2010/main" val="2627507759"/>
+      </p:ext>
+    </p:extLst>
+  </p:cSld>
+  <p:clrMapOvr>
+    <a:masterClrMapping/>
+  </p:clrMapOvr>
+  <p:timing>
+    <p:tnLst>
+      <p:par>
+        <p:cTn id="1" dur="indefinite" restart="never" nodeType="tmRoot"/>
+      </p:par>
+    </p:tnLst>
+  </p:timing>
+</p:sld>
+</file>
+
+<file path=ppt/slides/slide13.xml><?xml version="1.0" encoding="utf-8"?>
+<p:sld xmlns:a="http://schemas.openxmlformats.org/drawingml/2006/main" xmlns:r="http://schemas.openxmlformats.org/officeDocument/2006/relationships" xmlns:p="http://schemas.openxmlformats.org/presentationml/2006/main">
+  <p:cSld>
+    <p:spTree>
+      <p:nvGrpSpPr>
+        <p:cNvPr id="1" name=""/>
+        <p:cNvGrpSpPr/>
+        <p:nvPr/>
+      </p:nvGrpSpPr>
+      <p:grpSpPr>
+        <a:xfrm>
+          <a:off x="0" y="0"/>
+          <a:ext cx="0" cy="0"/>
+          <a:chOff x="0" y="0"/>
+          <a:chExt cx="0" cy="0"/>
+        </a:xfrm>
+      </p:grpSpPr>
+      <p:sp>
+        <p:nvSpPr>
           <p:cNvPr id="14" name="직사각형 13"/>
           <p:cNvSpPr/>
           <p:nvPr/>
@@ -7473,7 +8576,7 @@
 </p:sld>
 </file>
 
-<file path=ppt/slides/slide13.xml><?xml version="1.0" encoding="utf-8"?>
+<file path=ppt/slides/slide14.xml><?xml version="1.0" encoding="utf-8"?>
 <p:sld xmlns:a="http://schemas.openxmlformats.org/drawingml/2006/main" xmlns:r="http://schemas.openxmlformats.org/officeDocument/2006/relationships" xmlns:p="http://schemas.openxmlformats.org/presentationml/2006/main">
   <p:cSld>
     <p:spTree>
@@ -8114,7 +9217,7 @@
 </p:sld>
 </file>
 
-<file path=ppt/slides/slide14.xml><?xml version="1.0" encoding="utf-8"?>
+<file path=ppt/slides/slide15.xml><?xml version="1.0" encoding="utf-8"?>
 <p:sld xmlns:a="http://schemas.openxmlformats.org/drawingml/2006/main" xmlns:r="http://schemas.openxmlformats.org/officeDocument/2006/relationships" xmlns:p="http://schemas.openxmlformats.org/presentationml/2006/main">
   <p:cSld>
     <p:spTree>
@@ -8676,7 +9779,7 @@
 </p:sld>
 </file>
 
-<file path=ppt/slides/slide15.xml><?xml version="1.0" encoding="utf-8"?>
+<file path=ppt/slides/slide16.xml><?xml version="1.0" encoding="utf-8"?>
 <p:sld xmlns:a="http://schemas.openxmlformats.org/drawingml/2006/main" xmlns:r="http://schemas.openxmlformats.org/officeDocument/2006/relationships" xmlns:p="http://schemas.openxmlformats.org/presentationml/2006/main">
   <p:cSld>
     <p:spTree>
@@ -10707,7 +11810,7 @@
 </p:sld>
 </file>
 
-<file path=ppt/slides/slide16.xml><?xml version="1.0" encoding="utf-8"?>
+<file path=ppt/slides/slide17.xml><?xml version="1.0" encoding="utf-8"?>
 <p:sld xmlns:a="http://schemas.openxmlformats.org/drawingml/2006/main" xmlns:r="http://schemas.openxmlformats.org/officeDocument/2006/relationships" xmlns:p="http://schemas.openxmlformats.org/presentationml/2006/main">
   <p:cSld>
     <p:spTree>
@@ -11269,7 +12372,7 @@
 </p:sld>
 </file>
 
-<file path=ppt/slides/slide17.xml><?xml version="1.0" encoding="utf-8"?>
+<file path=ppt/slides/slide18.xml><?xml version="1.0" encoding="utf-8"?>
 <p:sld xmlns:a="http://schemas.openxmlformats.org/drawingml/2006/main" xmlns:r="http://schemas.openxmlformats.org/officeDocument/2006/relationships" xmlns:p="http://schemas.openxmlformats.org/presentationml/2006/main">
   <p:cSld>
     <p:spTree>
@@ -16068,7 +17171,7 @@
 </p:sld>
 </file>
 
-<file path=ppt/slides/slide18.xml><?xml version="1.0" encoding="utf-8"?>
+<file path=ppt/slides/slide19.xml><?xml version="1.0" encoding="utf-8"?>
 <p:sld xmlns:a="http://schemas.openxmlformats.org/drawingml/2006/main" xmlns:r="http://schemas.openxmlformats.org/officeDocument/2006/relationships" xmlns:p="http://schemas.openxmlformats.org/presentationml/2006/main">
   <p:cSld>
     <p:bg>
@@ -18248,54 +19351,54 @@
       </p:sp>
       <p:grpSp>
         <p:nvGrpSpPr>
-          <p:cNvPr id="37" name="그룹 36"/>
+          <p:cNvPr id="13" name="그룹 12"/>
           <p:cNvGrpSpPr/>
           <p:nvPr/>
         </p:nvGrpSpPr>
         <p:grpSpPr>
           <a:xfrm>
-            <a:off x="1746409" y="2034822"/>
-            <a:ext cx="8705691" cy="4154966"/>
-            <a:chOff x="345772" y="1967671"/>
-            <a:chExt cx="8627646" cy="4518714"/>
+            <a:off x="1362584" y="1250669"/>
+            <a:ext cx="4156168" cy="4612675"/>
+            <a:chOff x="875435" y="1294172"/>
+            <a:chExt cx="4156168" cy="4612675"/>
           </a:xfrm>
         </p:grpSpPr>
-        <p:graphicFrame>
-          <p:nvGraphicFramePr>
-            <p:cNvPr id="38" name="차트 37"/>
-            <p:cNvGraphicFramePr/>
-            <p:nvPr>
-              <p:extLst>
-                <p:ext uri="{D42A27DB-BD31-4B8C-83A1-F6EECF244321}">
-                  <p14:modId xmlns:p14="http://schemas.microsoft.com/office/powerpoint/2010/main" val="206017650"/>
-                </p:ext>
-              </p:extLst>
-            </p:nvPr>
-          </p:nvGraphicFramePr>
-          <p:xfrm>
-            <a:off x="4854509" y="1967671"/>
-            <a:ext cx="4118909" cy="2103333"/>
-          </p:xfrm>
-          <a:graphic>
-            <a:graphicData uri="http://schemas.openxmlformats.org/drawingml/2006/chart">
-              <c:chart xmlns:c="http://schemas.openxmlformats.org/drawingml/2006/chart" xmlns:r="http://schemas.openxmlformats.org/officeDocument/2006/relationships" r:id="rId2"/>
-            </a:graphicData>
-          </a:graphic>
-        </p:graphicFrame>
         <p:grpSp>
           <p:nvGrpSpPr>
-            <p:cNvPr id="39" name="그룹 38"/>
+            <p:cNvPr id="5" name="그룹 4"/>
             <p:cNvGrpSpPr/>
             <p:nvPr/>
           </p:nvGrpSpPr>
           <p:grpSpPr>
             <a:xfrm>
-              <a:off x="345772" y="2069414"/>
-              <a:ext cx="8627645" cy="4416971"/>
-              <a:chOff x="345772" y="2069414"/>
-              <a:chExt cx="8627645" cy="4416971"/>
+              <a:off x="875435" y="1762584"/>
+              <a:ext cx="4156168" cy="4144263"/>
+              <a:chOff x="6295932" y="2034822"/>
+              <a:chExt cx="4156168" cy="4144263"/>
             </a:xfrm>
           </p:grpSpPr>
+          <p:graphicFrame>
+            <p:nvGraphicFramePr>
+              <p:cNvPr id="38" name="차트 37"/>
+              <p:cNvGraphicFramePr/>
+              <p:nvPr>
+                <p:extLst>
+                  <p:ext uri="{D42A27DB-BD31-4B8C-83A1-F6EECF244321}">
+                    <p14:modId xmlns:p14="http://schemas.microsoft.com/office/powerpoint/2010/main" val="1100865442"/>
+                  </p:ext>
+                </p:extLst>
+              </p:nvPr>
+            </p:nvGraphicFramePr>
+            <p:xfrm>
+              <a:off x="6295932" y="2034822"/>
+              <a:ext cx="4156168" cy="1934019"/>
+            </p:xfrm>
+            <a:graphic>
+              <a:graphicData uri="http://schemas.openxmlformats.org/drawingml/2006/chart">
+                <c:chart xmlns:c="http://schemas.openxmlformats.org/drawingml/2006/chart" xmlns:r="http://schemas.openxmlformats.org/officeDocument/2006/relationships" r:id="rId2"/>
+              </a:graphicData>
+            </a:graphic>
+          </p:graphicFrame>
           <p:graphicFrame>
             <p:nvGraphicFramePr>
               <p:cNvPr id="40" name="차트 39"/>
@@ -18303,14 +19406,14 @@
               <p:nvPr>
                 <p:extLst>
                   <p:ext uri="{D42A27DB-BD31-4B8C-83A1-F6EECF244321}">
-                    <p14:modId xmlns:p14="http://schemas.microsoft.com/office/powerpoint/2010/main" val="1542628833"/>
+                    <p14:modId xmlns:p14="http://schemas.microsoft.com/office/powerpoint/2010/main" val="2914520559"/>
                   </p:ext>
                 </p:extLst>
               </p:nvPr>
             </p:nvGraphicFramePr>
             <p:xfrm>
-              <a:off x="4854509" y="4113986"/>
-              <a:ext cx="4118908" cy="2360759"/>
+              <a:off x="6295932" y="4008363"/>
+              <a:ext cx="4156167" cy="2170722"/>
             </p:xfrm>
             <a:graphic>
               <a:graphicData uri="http://schemas.openxmlformats.org/drawingml/2006/chart">
@@ -18318,136 +19421,26 @@
               </a:graphicData>
             </a:graphic>
           </p:graphicFrame>
-          <p:graphicFrame>
-            <p:nvGraphicFramePr>
-              <p:cNvPr id="41" name="차트 40"/>
-              <p:cNvGraphicFramePr/>
-              <p:nvPr>
-                <p:extLst>
-                  <p:ext uri="{D42A27DB-BD31-4B8C-83A1-F6EECF244321}">
-                    <p14:modId xmlns:p14="http://schemas.microsoft.com/office/powerpoint/2010/main" val="169272346"/>
-                  </p:ext>
-                </p:extLst>
-              </p:nvPr>
-            </p:nvGraphicFramePr>
-            <p:xfrm>
-              <a:off x="358443" y="2069414"/>
-              <a:ext cx="4106237" cy="3064958"/>
-            </p:xfrm>
-            <a:graphic>
-              <a:graphicData uri="http://schemas.openxmlformats.org/drawingml/2006/chart">
-                <c:chart xmlns:c="http://schemas.openxmlformats.org/drawingml/2006/chart" xmlns:r="http://schemas.openxmlformats.org/officeDocument/2006/relationships" r:id="rId4"/>
-              </a:graphicData>
-            </a:graphic>
-          </p:graphicFrame>
-          <p:graphicFrame>
-            <p:nvGraphicFramePr>
-              <p:cNvPr id="42" name="차트 41"/>
-              <p:cNvGraphicFramePr/>
-              <p:nvPr>
-                <p:extLst>
-                  <p:ext uri="{D42A27DB-BD31-4B8C-83A1-F6EECF244321}">
-                    <p14:modId xmlns:p14="http://schemas.microsoft.com/office/powerpoint/2010/main" val="3240827959"/>
-                  </p:ext>
-                </p:extLst>
-              </p:nvPr>
-            </p:nvGraphicFramePr>
-            <p:xfrm>
-              <a:off x="345772" y="5222867"/>
-              <a:ext cx="4415245" cy="1263518"/>
-            </p:xfrm>
-            <a:graphic>
-              <a:graphicData uri="http://schemas.openxmlformats.org/drawingml/2006/chart">
-                <c:chart xmlns:c="http://schemas.openxmlformats.org/drawingml/2006/chart" xmlns:r="http://schemas.openxmlformats.org/officeDocument/2006/relationships" r:id="rId5"/>
-              </a:graphicData>
-            </a:graphic>
-          </p:graphicFrame>
         </p:grpSp>
-      </p:grpSp>
-      <p:sp>
-        <p:nvSpPr>
-          <p:cNvPr id="2" name="직사각형 1"/>
-          <p:cNvSpPr/>
-          <p:nvPr/>
-        </p:nvSpPr>
-        <p:spPr>
-          <a:xfrm>
-            <a:off x="1748939" y="1566988"/>
-            <a:ext cx="4156168" cy="406400"/>
-          </a:xfrm>
-          <a:prstGeom prst="rect">
-            <a:avLst/>
-          </a:prstGeom>
-          <a:solidFill>
-            <a:schemeClr val="bg2">
-              <a:lumMod val="50000"/>
-            </a:schemeClr>
-          </a:solidFill>
-        </p:spPr>
-        <p:style>
-          <a:lnRef idx="2">
-            <a:schemeClr val="accent1">
-              <a:shade val="50000"/>
-            </a:schemeClr>
-          </a:lnRef>
-          <a:fillRef idx="1">
-            <a:schemeClr val="accent1"/>
-          </a:fillRef>
-          <a:effectRef idx="0">
-            <a:schemeClr val="accent1"/>
-          </a:effectRef>
-          <a:fontRef idx="minor">
-            <a:schemeClr val="lt1"/>
-          </a:fontRef>
-        </p:style>
-        <p:txBody>
-          <a:bodyPr rtlCol="0" anchor="ctr"/>
-          <a:lstStyle/>
-          <a:p>
-            <a:pPr algn="ctr"/>
-            <a:r>
-              <a:rPr lang="ko-KR" altLang="en-US" dirty="0" smtClean="0"/>
-              <a:t>온라인 가구 쇼핑 피해의 유형</a:t>
-            </a:r>
-            <a:endParaRPr lang="ko-KR" altLang="en-US" dirty="0"/>
-          </a:p>
-        </p:txBody>
-      </p:sp>
-      <p:grpSp>
-        <p:nvGrpSpPr>
-          <p:cNvPr id="7" name="그룹 6"/>
-          <p:cNvGrpSpPr/>
-          <p:nvPr/>
-        </p:nvGrpSpPr>
-        <p:grpSpPr>
-          <a:xfrm rot="572412">
-            <a:off x="4229446" y="3497693"/>
-            <a:ext cx="488625" cy="1701614"/>
-            <a:chOff x="3070254" y="3305123"/>
-            <a:chExt cx="488625" cy="2199347"/>
-          </a:xfrm>
-        </p:grpSpPr>
         <p:sp>
           <p:nvSpPr>
-            <p:cNvPr id="4" name="타원 3"/>
+            <p:cNvPr id="43" name="직사각형 42"/>
             <p:cNvSpPr/>
             <p:nvPr/>
           </p:nvSpPr>
           <p:spPr>
             <a:xfrm>
-              <a:off x="3070254" y="3305123"/>
-              <a:ext cx="488625" cy="424329"/>
+              <a:off x="875435" y="1294172"/>
+              <a:ext cx="4156168" cy="406400"/>
             </a:xfrm>
-            <a:prstGeom prst="ellipse">
+            <a:prstGeom prst="rect">
               <a:avLst/>
             </a:prstGeom>
-            <a:noFill/>
-            <a:ln>
-              <a:solidFill>
-                <a:srgbClr val="FF0000"/>
-              </a:solidFill>
-              <a:prstDash val="solid"/>
-            </a:ln>
+            <a:solidFill>
+              <a:schemeClr val="bg2">
+                <a:lumMod val="50000"/>
+              </a:schemeClr>
+            </a:solidFill>
           </p:spPr>
           <p:style>
             <a:lnRef idx="2">
@@ -18470,226 +19463,243 @@
             <a:lstStyle/>
             <a:p>
               <a:pPr algn="ctr"/>
-              <a:endParaRPr lang="ko-KR" altLang="en-US"/>
+              <a:r>
+                <a:rPr lang="ko-KR" altLang="en-US" dirty="0" smtClean="0"/>
+                <a:t>온라인 가구 쇼핑 </a:t>
+              </a:r>
+              <a:r>
+                <a:rPr lang="ko-KR" altLang="en-US" dirty="0" smtClean="0"/>
+                <a:t>피해 규모</a:t>
+              </a:r>
+              <a:endParaRPr lang="ko-KR" altLang="en-US" dirty="0"/>
             </a:p>
           </p:txBody>
         </p:sp>
-        <p:cxnSp>
-          <p:nvCxnSpPr>
-            <p:cNvPr id="6" name="직선 화살표 연결선 5"/>
-            <p:cNvCxnSpPr>
-              <a:stCxn id="4" idx="4"/>
-            </p:cNvCxnSpPr>
+      </p:grpSp>
+      <p:grpSp>
+        <p:nvGrpSpPr>
+          <p:cNvPr id="12" name="그룹 11"/>
+          <p:cNvGrpSpPr/>
+          <p:nvPr/>
+        </p:nvGrpSpPr>
+        <p:grpSpPr>
+          <a:xfrm>
+            <a:off x="6497535" y="1250669"/>
+            <a:ext cx="4455185" cy="4622800"/>
+            <a:chOff x="1746409" y="1566988"/>
+            <a:chExt cx="4455185" cy="4622800"/>
+          </a:xfrm>
+        </p:grpSpPr>
+        <p:sp>
+          <p:nvSpPr>
+            <p:cNvPr id="2" name="직사각형 1"/>
+            <p:cNvSpPr/>
             <p:nvPr/>
-          </p:nvCxnSpPr>
+          </p:nvSpPr>
           <p:spPr>
             <a:xfrm>
-              <a:off x="3314567" y="3729450"/>
-              <a:ext cx="3012" cy="1775020"/>
+              <a:off x="1748939" y="1566988"/>
+              <a:ext cx="4156168" cy="406400"/>
             </a:xfrm>
-            <a:prstGeom prst="straightConnector1">
+            <a:prstGeom prst="rect">
               <a:avLst/>
             </a:prstGeom>
-            <a:ln>
-              <a:solidFill>
-                <a:srgbClr val="FF0000"/>
-              </a:solidFill>
-              <a:prstDash val="dash"/>
-              <a:tailEnd type="triangle"/>
-            </a:ln>
+            <a:solidFill>
+              <a:schemeClr val="bg2">
+                <a:lumMod val="50000"/>
+              </a:schemeClr>
+            </a:solidFill>
           </p:spPr>
           <p:style>
-            <a:lnRef idx="1">
-              <a:schemeClr val="accent1"/>
+            <a:lnRef idx="2">
+              <a:schemeClr val="accent1">
+                <a:shade val="50000"/>
+              </a:schemeClr>
             </a:lnRef>
-            <a:fillRef idx="0">
+            <a:fillRef idx="1">
               <a:schemeClr val="accent1"/>
             </a:fillRef>
             <a:effectRef idx="0">
               <a:schemeClr val="accent1"/>
             </a:effectRef>
             <a:fontRef idx="minor">
-              <a:schemeClr val="tx1"/>
+              <a:schemeClr val="lt1"/>
             </a:fontRef>
           </p:style>
-        </p:cxnSp>
+          <p:txBody>
+            <a:bodyPr rtlCol="0" anchor="ctr"/>
+            <a:lstStyle/>
+            <a:p>
+              <a:pPr algn="ctr"/>
+              <a:r>
+                <a:rPr lang="ko-KR" altLang="en-US" dirty="0" smtClean="0"/>
+                <a:t>온라인 가구 쇼핑 피해의 유형</a:t>
+              </a:r>
+              <a:endParaRPr lang="ko-KR" altLang="en-US" dirty="0"/>
+            </a:p>
+          </p:txBody>
+        </p:sp>
+        <p:grpSp>
+          <p:nvGrpSpPr>
+            <p:cNvPr id="11" name="그룹 10"/>
+            <p:cNvGrpSpPr/>
+            <p:nvPr/>
+          </p:nvGrpSpPr>
+          <p:grpSpPr>
+            <a:xfrm>
+              <a:off x="1746409" y="2128375"/>
+              <a:ext cx="4455185" cy="4061413"/>
+              <a:chOff x="1746409" y="2128375"/>
+              <a:chExt cx="4455185" cy="4061413"/>
+            </a:xfrm>
+          </p:grpSpPr>
+          <p:graphicFrame>
+            <p:nvGraphicFramePr>
+              <p:cNvPr id="41" name="차트 40"/>
+              <p:cNvGraphicFramePr/>
+              <p:nvPr>
+                <p:extLst>
+                  <p:ext uri="{D42A27DB-BD31-4B8C-83A1-F6EECF244321}">
+                    <p14:modId xmlns:p14="http://schemas.microsoft.com/office/powerpoint/2010/main" val="283414488"/>
+                  </p:ext>
+                </p:extLst>
+              </p:nvPr>
+            </p:nvGraphicFramePr>
+            <p:xfrm>
+              <a:off x="1759195" y="2128375"/>
+              <a:ext cx="4143382" cy="2818235"/>
+            </p:xfrm>
+            <a:graphic>
+              <a:graphicData uri="http://schemas.openxmlformats.org/drawingml/2006/chart">
+                <c:chart xmlns:c="http://schemas.openxmlformats.org/drawingml/2006/chart" xmlns:r="http://schemas.openxmlformats.org/officeDocument/2006/relationships" r:id="rId4"/>
+              </a:graphicData>
+            </a:graphic>
+          </p:graphicFrame>
+          <p:graphicFrame>
+            <p:nvGraphicFramePr>
+              <p:cNvPr id="42" name="차트 41"/>
+              <p:cNvGraphicFramePr/>
+              <p:nvPr>
+                <p:extLst>
+                  <p:ext uri="{D42A27DB-BD31-4B8C-83A1-F6EECF244321}">
+                    <p14:modId xmlns:p14="http://schemas.microsoft.com/office/powerpoint/2010/main" val="1722075268"/>
+                  </p:ext>
+                </p:extLst>
+              </p:nvPr>
+            </p:nvGraphicFramePr>
+            <p:xfrm>
+              <a:off x="1746409" y="5027981"/>
+              <a:ext cx="4455185" cy="1161807"/>
+            </p:xfrm>
+            <a:graphic>
+              <a:graphicData uri="http://schemas.openxmlformats.org/drawingml/2006/chart">
+                <c:chart xmlns:c="http://schemas.openxmlformats.org/drawingml/2006/chart" xmlns:r="http://schemas.openxmlformats.org/officeDocument/2006/relationships" r:id="rId5"/>
+              </a:graphicData>
+            </a:graphic>
+          </p:graphicFrame>
+          <p:grpSp>
+            <p:nvGrpSpPr>
+              <p:cNvPr id="7" name="그룹 6"/>
+              <p:cNvGrpSpPr/>
+              <p:nvPr/>
+            </p:nvGrpSpPr>
+            <p:grpSpPr>
+              <a:xfrm rot="572412">
+                <a:off x="4226355" y="3534737"/>
+                <a:ext cx="488625" cy="1664311"/>
+                <a:chOff x="3070254" y="3305123"/>
+                <a:chExt cx="488625" cy="2199347"/>
+              </a:xfrm>
+            </p:grpSpPr>
+            <p:sp>
+              <p:nvSpPr>
+                <p:cNvPr id="4" name="타원 3"/>
+                <p:cNvSpPr/>
+                <p:nvPr/>
+              </p:nvSpPr>
+              <p:spPr>
+                <a:xfrm>
+                  <a:off x="3070254" y="3305123"/>
+                  <a:ext cx="488625" cy="424329"/>
+                </a:xfrm>
+                <a:prstGeom prst="ellipse">
+                  <a:avLst/>
+                </a:prstGeom>
+                <a:noFill/>
+                <a:ln>
+                  <a:solidFill>
+                    <a:srgbClr val="FF0000"/>
+                  </a:solidFill>
+                  <a:prstDash val="solid"/>
+                </a:ln>
+              </p:spPr>
+              <p:style>
+                <a:lnRef idx="2">
+                  <a:schemeClr val="accent1">
+                    <a:shade val="50000"/>
+                  </a:schemeClr>
+                </a:lnRef>
+                <a:fillRef idx="1">
+                  <a:schemeClr val="accent1"/>
+                </a:fillRef>
+                <a:effectRef idx="0">
+                  <a:schemeClr val="accent1"/>
+                </a:effectRef>
+                <a:fontRef idx="minor">
+                  <a:schemeClr val="lt1"/>
+                </a:fontRef>
+              </p:style>
+              <p:txBody>
+                <a:bodyPr rtlCol="0" anchor="ctr"/>
+                <a:lstStyle/>
+                <a:p>
+                  <a:pPr algn="ctr"/>
+                  <a:endParaRPr lang="ko-KR" altLang="en-US"/>
+                </a:p>
+              </p:txBody>
+            </p:sp>
+            <p:cxnSp>
+              <p:nvCxnSpPr>
+                <p:cNvPr id="6" name="직선 화살표 연결선 5"/>
+                <p:cNvCxnSpPr>
+                  <a:stCxn id="4" idx="4"/>
+                </p:cNvCxnSpPr>
+                <p:nvPr/>
+              </p:nvCxnSpPr>
+              <p:spPr>
+                <a:xfrm>
+                  <a:off x="3314567" y="3729450"/>
+                  <a:ext cx="3012" cy="1775020"/>
+                </a:xfrm>
+                <a:prstGeom prst="straightConnector1">
+                  <a:avLst/>
+                </a:prstGeom>
+                <a:ln>
+                  <a:solidFill>
+                    <a:srgbClr val="FF0000"/>
+                  </a:solidFill>
+                  <a:prstDash val="dash"/>
+                  <a:tailEnd type="triangle"/>
+                </a:ln>
+              </p:spPr>
+              <p:style>
+                <a:lnRef idx="1">
+                  <a:schemeClr val="accent1"/>
+                </a:lnRef>
+                <a:fillRef idx="0">
+                  <a:schemeClr val="accent1"/>
+                </a:fillRef>
+                <a:effectRef idx="0">
+                  <a:schemeClr val="accent1"/>
+                </a:effectRef>
+                <a:fontRef idx="minor">
+                  <a:schemeClr val="tx1"/>
+                </a:fontRef>
+              </p:style>
+            </p:cxnSp>
+          </p:grpSp>
+        </p:grpSp>
       </p:grpSp>
-      <p:sp>
-        <p:nvSpPr>
-          <p:cNvPr id="8" name="직사각형 7"/>
-          <p:cNvSpPr/>
-          <p:nvPr/>
-        </p:nvSpPr>
-        <p:spPr>
-          <a:xfrm>
-            <a:off x="4448038" y="4269455"/>
-            <a:ext cx="6096000" cy="954107"/>
-          </a:xfrm>
-          <a:prstGeom prst="rect">
-            <a:avLst/>
-          </a:prstGeom>
-        </p:spPr>
-        <p:txBody>
-          <a:bodyPr>
-            <a:spAutoFit/>
-          </a:bodyPr>
-          <a:lstStyle/>
-          <a:p>
-            <a:r>
-              <a:rPr lang="ko-KR" altLang="en-US" sz="1400" dirty="0" smtClean="0">
-                <a:solidFill>
-                  <a:schemeClr val="bg2">
-                    <a:lumMod val="50000"/>
-                  </a:schemeClr>
-                </a:solidFill>
-              </a:rPr>
-              <a:t>피해 유형 중에서는 </a:t>
-            </a:r>
-            <a:endParaRPr lang="en-US" altLang="ko-KR" sz="1400" dirty="0" smtClean="0">
-              <a:solidFill>
-                <a:schemeClr val="bg2">
-                  <a:lumMod val="50000"/>
-                </a:schemeClr>
-              </a:solidFill>
-            </a:endParaRPr>
-          </a:p>
-          <a:p>
-            <a:r>
-              <a:rPr lang="ko-KR" altLang="en-US" sz="1400" dirty="0" smtClean="0">
-                <a:solidFill>
-                  <a:srgbClr val="FF0000"/>
-                </a:solidFill>
-              </a:rPr>
-              <a:t>품질 불만</a:t>
-            </a:r>
-            <a:r>
-              <a:rPr lang="ko-KR" altLang="en-US" sz="1400" dirty="0" smtClean="0">
-                <a:solidFill>
-                  <a:schemeClr val="bg2">
-                    <a:lumMod val="50000"/>
-                  </a:schemeClr>
-                </a:solidFill>
-              </a:rPr>
-              <a:t>이 가장 컸고</a:t>
-            </a:r>
-            <a:r>
-              <a:rPr lang="en-US" altLang="ko-KR" sz="1400" dirty="0" smtClean="0">
-                <a:solidFill>
-                  <a:schemeClr val="bg2">
-                    <a:lumMod val="50000"/>
-                  </a:schemeClr>
-                </a:solidFill>
-              </a:rPr>
-              <a:t>,</a:t>
-            </a:r>
-          </a:p>
-          <a:p>
-            <a:r>
-              <a:rPr lang="ko-KR" altLang="en-US" sz="1400" dirty="0" smtClean="0">
-                <a:solidFill>
-                  <a:schemeClr val="bg2">
-                    <a:lumMod val="50000"/>
-                  </a:schemeClr>
-                </a:solidFill>
-              </a:rPr>
-              <a:t>그 중에서도 </a:t>
-            </a:r>
-            <a:endParaRPr lang="en-US" altLang="ko-KR" sz="1400" dirty="0" smtClean="0">
-              <a:solidFill>
-                <a:schemeClr val="bg2">
-                  <a:lumMod val="50000"/>
-                </a:schemeClr>
-              </a:solidFill>
-            </a:endParaRPr>
-          </a:p>
-          <a:p>
-            <a:r>
-              <a:rPr lang="ko-KR" altLang="en-US" sz="1400" dirty="0" smtClean="0">
-                <a:solidFill>
-                  <a:srgbClr val="FF0000"/>
-                </a:solidFill>
-              </a:rPr>
-              <a:t>형태 다름</a:t>
-            </a:r>
-            <a:r>
-              <a:rPr lang="ko-KR" altLang="en-US" sz="1400" dirty="0" smtClean="0">
-                <a:solidFill>
-                  <a:schemeClr val="bg2">
-                    <a:lumMod val="50000"/>
-                  </a:schemeClr>
-                </a:solidFill>
-              </a:rPr>
-              <a:t>이 가장 컸음</a:t>
-            </a:r>
-            <a:r>
-              <a:rPr lang="en-US" altLang="ko-KR" sz="1400" dirty="0" smtClean="0">
-                <a:solidFill>
-                  <a:schemeClr val="bg2">
-                    <a:lumMod val="50000"/>
-                  </a:schemeClr>
-                </a:solidFill>
-              </a:rPr>
-              <a:t>.</a:t>
-            </a:r>
-            <a:endParaRPr lang="ko-KR" altLang="en-US" sz="1400" dirty="0">
-              <a:solidFill>
-                <a:schemeClr val="bg2">
-                  <a:lumMod val="50000"/>
-                </a:schemeClr>
-              </a:solidFill>
-            </a:endParaRPr>
-          </a:p>
-        </p:txBody>
-      </p:sp>
-      <p:sp>
-        <p:nvSpPr>
-          <p:cNvPr id="43" name="직사각형 42"/>
-          <p:cNvSpPr/>
-          <p:nvPr/>
-        </p:nvSpPr>
-        <p:spPr>
-          <a:xfrm>
-            <a:off x="6295932" y="1566410"/>
-            <a:ext cx="4156168" cy="406400"/>
-          </a:xfrm>
-          <a:prstGeom prst="rect">
-            <a:avLst/>
-          </a:prstGeom>
-          <a:solidFill>
-            <a:schemeClr val="bg2">
-              <a:lumMod val="50000"/>
-            </a:schemeClr>
-          </a:solidFill>
-        </p:spPr>
-        <p:style>
-          <a:lnRef idx="2">
-            <a:schemeClr val="accent1">
-              <a:shade val="50000"/>
-            </a:schemeClr>
-          </a:lnRef>
-          <a:fillRef idx="1">
-            <a:schemeClr val="accent1"/>
-          </a:fillRef>
-          <a:effectRef idx="0">
-            <a:schemeClr val="accent1"/>
-          </a:effectRef>
-          <a:fontRef idx="minor">
-            <a:schemeClr val="lt1"/>
-          </a:fontRef>
-        </p:style>
-        <p:txBody>
-          <a:bodyPr rtlCol="0" anchor="ctr"/>
-          <a:lstStyle/>
-          <a:p>
-            <a:pPr algn="ctr"/>
-            <a:r>
-              <a:rPr lang="ko-KR" altLang="en-US" dirty="0" smtClean="0"/>
-              <a:t>온라인 가구 쇼핑 피해의 유형</a:t>
-            </a:r>
-            <a:endParaRPr lang="ko-KR" altLang="en-US" dirty="0"/>
-          </a:p>
-        </p:txBody>
-      </p:sp>
     </p:spTree>
     <p:extLst>
       <p:ext uri="{BB962C8B-B14F-4D97-AF65-F5344CB8AC3E}">
@@ -20289,11 +21299,7 @@
               </a:path>
             </a:pathLst>
           </a:custGeom>
-          <a:solidFill>
-            <a:srgbClr val="C0504D">
-              <a:alpha val="70000"/>
-            </a:srgbClr>
-          </a:solidFill>
+          <a:noFill/>
           <a:ln>
             <a:noFill/>
           </a:ln>
@@ -20346,18 +21352,12 @@
           <a:p>
             <a:r>
               <a:rPr lang="en-US" altLang="ko-KR" b="1" dirty="0" err="1" smtClean="0">
-                <a:solidFill>
-                  <a:schemeClr val="bg1"/>
-                </a:solidFill>
                 <a:latin typeface="맑은 고딕" panose="020B0503020000020004" pitchFamily="50" charset="-127"/>
                 <a:ea typeface="맑은 고딕" panose="020B0503020000020004" pitchFamily="50" charset="-127"/>
               </a:rPr>
               <a:t>Nobrand</a:t>
             </a:r>
             <a:endParaRPr lang="ko-KR" altLang="en-US" b="1" dirty="0">
-              <a:solidFill>
-                <a:schemeClr val="bg1"/>
-              </a:solidFill>
               <a:latin typeface="맑은 고딕" panose="020B0503020000020004" pitchFamily="50" charset="-127"/>
               <a:ea typeface="맑은 고딕" panose="020B0503020000020004" pitchFamily="50" charset="-127"/>
             </a:endParaRPr>
@@ -20610,8 +21610,8 @@
         </p:nvSpPr>
         <p:spPr>
           <a:xfrm>
-            <a:off x="168587" y="495795"/>
-            <a:ext cx="2387994" cy="338554"/>
+            <a:off x="168586" y="495796"/>
+            <a:ext cx="2923601" cy="369332"/>
           </a:xfrm>
           <a:prstGeom prst="rect">
             <a:avLst/>
@@ -20624,47 +21624,37 @@
           <a:lstStyle/>
           <a:p>
             <a:r>
-              <a:rPr lang="en-US" altLang="ko-KR" sz="1600" dirty="0">
-                <a:solidFill>
-                  <a:schemeClr val="bg1"/>
-                </a:solidFill>
+              <a:rPr lang="en-US" altLang="ko-KR" b="1" dirty="0">
                 <a:latin typeface="맑은 고딕" panose="020B0503020000020004" pitchFamily="50" charset="-127"/>
+                <a:ea typeface="맑은 고딕" panose="020B0503020000020004" pitchFamily="50" charset="-127"/>
               </a:rPr>
               <a:t>[</a:t>
             </a:r>
             <a:r>
-              <a:rPr lang="en-US" altLang="ko-KR" sz="1600" dirty="0" err="1">
-                <a:solidFill>
-                  <a:schemeClr val="bg1"/>
-                </a:solidFill>
+              <a:rPr lang="en-US" altLang="ko-KR" b="1" dirty="0" err="1">
                 <a:latin typeface="맑은 고딕" panose="020B0503020000020004" pitchFamily="50" charset="-127"/>
+                <a:ea typeface="맑은 고딕" panose="020B0503020000020004" pitchFamily="50" charset="-127"/>
               </a:rPr>
               <a:t>InnerBase</a:t>
             </a:r>
             <a:r>
-              <a:rPr lang="en-US" altLang="ko-KR" sz="1600" dirty="0">
-                <a:solidFill>
-                  <a:schemeClr val="bg1"/>
-                </a:solidFill>
+              <a:rPr lang="en-US" altLang="ko-KR" b="1" dirty="0">
                 <a:latin typeface="맑은 고딕" panose="020B0503020000020004" pitchFamily="50" charset="-127"/>
+                <a:ea typeface="맑은 고딕" panose="020B0503020000020004" pitchFamily="50" charset="-127"/>
               </a:rPr>
               <a:t> </a:t>
             </a:r>
             <a:r>
-              <a:rPr lang="ko-KR" altLang="en-US" sz="1600" dirty="0">
-                <a:solidFill>
-                  <a:schemeClr val="bg1"/>
-                </a:solidFill>
+              <a:rPr lang="ko-KR" altLang="en-US" b="1" dirty="0">
                 <a:latin typeface="맑은 고딕" panose="020B0503020000020004" pitchFamily="50" charset="-127"/>
+                <a:ea typeface="맑은 고딕" panose="020B0503020000020004" pitchFamily="50" charset="-127"/>
               </a:rPr>
               <a:t>서비스 개요</a:t>
             </a:r>
             <a:r>
-              <a:rPr lang="en-US" altLang="ko-KR" sz="1600" dirty="0">
-                <a:solidFill>
-                  <a:schemeClr val="bg1"/>
-                </a:solidFill>
+              <a:rPr lang="en-US" altLang="ko-KR" b="1" dirty="0">
                 <a:latin typeface="맑은 고딕" panose="020B0503020000020004" pitchFamily="50" charset="-127"/>
+                <a:ea typeface="맑은 고딕" panose="020B0503020000020004" pitchFamily="50" charset="-127"/>
               </a:rPr>
               <a:t>]</a:t>
             </a:r>
@@ -21697,7 +22687,7 @@
                 </a:solidFill>
                 <a:latin typeface="맑은 고딕" panose="020B0503020000020004" pitchFamily="50" charset="-127"/>
               </a:rPr>
-              <a:t>도면 검색 기능</a:t>
+              <a:t>도면 제작 기능</a:t>
             </a:r>
             <a:endParaRPr lang="en-US" altLang="ko-KR" sz="1600" dirty="0" smtClean="0">
               <a:solidFill>
@@ -21708,181 +22698,53 @@
           </a:p>
         </p:txBody>
       </p:sp>
-      <p:grpSp>
-        <p:nvGrpSpPr>
-          <p:cNvPr id="13" name="그룹 12"/>
-          <p:cNvGrpSpPr/>
+      <p:pic>
+        <p:nvPicPr>
+          <p:cNvPr id="22" name="_x233032144"/>
+          <p:cNvPicPr>
+            <a:picLocks noChangeAspect="1" noChangeArrowheads="1"/>
+          </p:cNvPicPr>
           <p:nvPr/>
-        </p:nvGrpSpPr>
-        <p:grpSpPr>
+        </p:nvPicPr>
+        <p:blipFill>
+          <a:blip r:embed="rId2" cstate="print">
+            <a:extLst>
+              <a:ext uri="{28A0092B-C50C-407E-A947-70E740481C1C}">
+                <a14:useLocalDpi xmlns:a14="http://schemas.microsoft.com/office/drawing/2010/main" val="0"/>
+              </a:ext>
+            </a:extLst>
+          </a:blip>
+          <a:stretch>
+            <a:fillRect/>
+          </a:stretch>
+        </p:blipFill>
+        <p:spPr bwMode="auto">
           <a:xfrm>
-            <a:off x="880721" y="1554628"/>
-            <a:ext cx="10468398" cy="5133044"/>
-            <a:chOff x="1438713" y="1151215"/>
-            <a:chExt cx="9525748" cy="5751610"/>
+            <a:off x="672217" y="1478356"/>
+            <a:ext cx="10874797" cy="5003262"/>
           </a:xfrm>
-        </p:grpSpPr>
-        <p:pic>
-          <p:nvPicPr>
-            <p:cNvPr id="40" name="그림 39"/>
-            <p:cNvPicPr>
-              <a:picLocks noChangeAspect="1"/>
-            </p:cNvPicPr>
-            <p:nvPr/>
-          </p:nvPicPr>
-          <p:blipFill>
-            <a:blip r:embed="rId2">
-              <a:extLst>
-                <a:ext uri="{28A0092B-C50C-407E-A947-70E740481C1C}">
-                  <a14:useLocalDpi xmlns:a14="http://schemas.microsoft.com/office/drawing/2010/main" val="0"/>
-                </a:ext>
-              </a:extLst>
-            </a:blip>
-            <a:stretch>
-              <a:fillRect/>
-            </a:stretch>
-          </p:blipFill>
-          <p:spPr>
-            <a:xfrm>
-              <a:off x="1438713" y="1151215"/>
-              <a:ext cx="9525748" cy="5751610"/>
-            </a:xfrm>
-            <a:prstGeom prst="rect">
-              <a:avLst/>
-            </a:prstGeom>
-          </p:spPr>
-        </p:pic>
-        <p:cxnSp>
-          <p:nvCxnSpPr>
-            <p:cNvPr id="42" name="직선 화살표 연결선 41"/>
-            <p:cNvCxnSpPr/>
-            <p:nvPr/>
-          </p:nvCxnSpPr>
-          <p:spPr>
-            <a:xfrm flipV="1">
-              <a:off x="4121045" y="4206927"/>
-              <a:ext cx="2527729" cy="457199"/>
-            </a:xfrm>
-            <a:prstGeom prst="straightConnector1">
-              <a:avLst/>
-            </a:prstGeom>
-            <a:ln w="25400">
-              <a:solidFill>
-                <a:srgbClr val="FF0000"/>
-              </a:solidFill>
-              <a:tailEnd type="triangle"/>
-            </a:ln>
-          </p:spPr>
-          <p:style>
-            <a:lnRef idx="1">
-              <a:schemeClr val="accent1"/>
-            </a:lnRef>
-            <a:fillRef idx="0">
-              <a:schemeClr val="accent1"/>
-            </a:fillRef>
-            <a:effectRef idx="0">
-              <a:schemeClr val="accent1"/>
-            </a:effectRef>
-            <a:fontRef idx="minor">
-              <a:schemeClr val="tx1"/>
-            </a:fontRef>
-          </p:style>
-        </p:cxnSp>
-        <p:grpSp>
-          <p:nvGrpSpPr>
-            <p:cNvPr id="10" name="그룹 9"/>
-            <p:cNvGrpSpPr/>
-            <p:nvPr/>
-          </p:nvGrpSpPr>
-          <p:grpSpPr>
-            <a:xfrm>
-              <a:off x="6777626" y="2693766"/>
-              <a:ext cx="4057983" cy="3689105"/>
-              <a:chOff x="7037602" y="2460683"/>
-              <a:chExt cx="3576918" cy="2967318"/>
-            </a:xfrm>
-          </p:grpSpPr>
-          <p:pic>
-            <p:nvPicPr>
-              <p:cNvPr id="43" name="그림 42"/>
-              <p:cNvPicPr>
-                <a:picLocks noChangeAspect="1"/>
-              </p:cNvPicPr>
-              <p:nvPr/>
-            </p:nvPicPr>
-            <p:blipFill>
-              <a:blip r:embed="rId3">
-                <a:extLst>
-                  <a:ext uri="{28A0092B-C50C-407E-A947-70E740481C1C}">
-                    <a14:useLocalDpi xmlns:a14="http://schemas.microsoft.com/office/drawing/2010/main" val="0"/>
-                  </a:ext>
-                </a:extLst>
-              </a:blip>
-              <a:stretch>
-                <a:fillRect/>
-              </a:stretch>
-            </p:blipFill>
-            <p:spPr>
-              <a:xfrm>
-                <a:off x="7172382" y="2596692"/>
-                <a:ext cx="3307359" cy="2677371"/>
-              </a:xfrm>
-              <a:prstGeom prst="rect">
-                <a:avLst/>
-              </a:prstGeom>
-            </p:spPr>
-          </p:pic>
-          <p:sp>
-            <p:nvSpPr>
-              <p:cNvPr id="7" name="직사각형 6"/>
-              <p:cNvSpPr/>
-              <p:nvPr/>
-            </p:nvSpPr>
-            <p:spPr>
-              <a:xfrm>
-                <a:off x="7037602" y="2460683"/>
-                <a:ext cx="3576918" cy="2967318"/>
-              </a:xfrm>
-              <a:prstGeom prst="rect">
-                <a:avLst/>
-              </a:prstGeom>
-              <a:noFill/>
-              <a:ln w="25400">
-                <a:solidFill>
-                  <a:srgbClr val="FF0000"/>
-                </a:solidFill>
-              </a:ln>
-            </p:spPr>
-            <p:style>
-              <a:lnRef idx="2">
-                <a:schemeClr val="accent1">
-                  <a:shade val="50000"/>
-                </a:schemeClr>
-              </a:lnRef>
-              <a:fillRef idx="1">
-                <a:schemeClr val="accent1"/>
-              </a:fillRef>
-              <a:effectRef idx="0">
-                <a:schemeClr val="accent1"/>
-              </a:effectRef>
-              <a:fontRef idx="minor">
-                <a:schemeClr val="lt1"/>
-              </a:fontRef>
-            </p:style>
-            <p:txBody>
-              <a:bodyPr rtlCol="0" anchor="ctr"/>
-              <a:lstStyle/>
-              <a:p>
-                <a:pPr algn="ctr"/>
-                <a:endParaRPr lang="ko-KR" altLang="en-US"/>
-              </a:p>
-            </p:txBody>
-          </p:sp>
-        </p:grpSp>
-      </p:grpSp>
+          <a:prstGeom prst="roundRect">
+            <a:avLst>
+              <a:gd name="adj" fmla="val 8594"/>
+            </a:avLst>
+          </a:prstGeom>
+          <a:solidFill>
+            <a:srgbClr val="FFFFFF">
+              <a:shade val="85000"/>
+            </a:srgbClr>
+          </a:solidFill>
+          <a:ln>
+            <a:noFill/>
+          </a:ln>
+          <a:effectLst>
+            <a:reflection blurRad="12700" stA="38000" endPos="28000" dist="5000" dir="5400000" sy="-100000" algn="bl" rotWithShape="0"/>
+          </a:effectLst>
+          <a:extLst/>
+        </p:spPr>
+      </p:pic>
       <p:sp>
         <p:nvSpPr>
-          <p:cNvPr id="29" name="사각형: 둥근 모서리 7"/>
+          <p:cNvPr id="23" name="사각형: 둥근 모서리 7"/>
           <p:cNvSpPr/>
           <p:nvPr/>
         </p:nvSpPr>
@@ -21927,56 +22789,10 @@
           </a:p>
         </p:txBody>
       </p:sp>
-      <p:sp>
-        <p:nvSpPr>
-          <p:cNvPr id="17" name="직사각형 16"/>
-          <p:cNvSpPr/>
-          <p:nvPr/>
-        </p:nvSpPr>
-        <p:spPr>
-          <a:xfrm>
-            <a:off x="3435062" y="4467794"/>
-            <a:ext cx="375615" cy="363075"/>
-          </a:xfrm>
-          <a:prstGeom prst="rect">
-            <a:avLst/>
-          </a:prstGeom>
-          <a:noFill/>
-          <a:ln w="25400">
-            <a:solidFill>
-              <a:srgbClr val="FF0000"/>
-            </a:solidFill>
-          </a:ln>
-        </p:spPr>
-        <p:style>
-          <a:lnRef idx="2">
-            <a:schemeClr val="accent1">
-              <a:shade val="50000"/>
-            </a:schemeClr>
-          </a:lnRef>
-          <a:fillRef idx="1">
-            <a:schemeClr val="accent1"/>
-          </a:fillRef>
-          <a:effectRef idx="0">
-            <a:schemeClr val="accent1"/>
-          </a:effectRef>
-          <a:fontRef idx="minor">
-            <a:schemeClr val="lt1"/>
-          </a:fontRef>
-        </p:style>
-        <p:txBody>
-          <a:bodyPr rtlCol="0" anchor="ctr"/>
-          <a:lstStyle/>
-          <a:p>
-            <a:pPr algn="ctr"/>
-            <a:endParaRPr lang="ko-KR" altLang="en-US"/>
-          </a:p>
-        </p:txBody>
-      </p:sp>
     </p:spTree>
     <p:extLst>
       <p:ext uri="{BB962C8B-B14F-4D97-AF65-F5344CB8AC3E}">
-        <p14:creationId xmlns:p14="http://schemas.microsoft.com/office/powerpoint/2010/main" val="2077217559"/>
+        <p14:creationId xmlns:p14="http://schemas.microsoft.com/office/powerpoint/2010/main" val="1138778803"/>
       </p:ext>
     </p:extLst>
   </p:cSld>
